--- a/Slides/Sports Analytics 2/Sports_Analytics_2_Lecture.pptx
+++ b/Slides/Sports Analytics 2/Sports_Analytics_2_Lecture.pptx
@@ -5,7 +5,7 @@
     <p:sldMasterId id="2147483648" r:id="rId1"/>
   </p:sldMasterIdLst>
   <p:notesMasterIdLst>
-    <p:notesMasterId r:id="rId21"/>
+    <p:notesMasterId r:id="rId15"/>
   </p:notesMasterIdLst>
   <p:sldIdLst>
     <p:sldId id="256" r:id="rId2"/>
@@ -20,13 +20,7 @@
     <p:sldId id="286" r:id="rId11"/>
     <p:sldId id="289" r:id="rId12"/>
     <p:sldId id="275" r:id="rId13"/>
-    <p:sldId id="257" r:id="rId14"/>
-    <p:sldId id="276" r:id="rId15"/>
-    <p:sldId id="277" r:id="rId16"/>
-    <p:sldId id="278" r:id="rId17"/>
-    <p:sldId id="279" r:id="rId18"/>
-    <p:sldId id="280" r:id="rId19"/>
-    <p:sldId id="281" r:id="rId20"/>
+    <p:sldId id="281" r:id="rId14"/>
   </p:sldIdLst>
   <p:sldSz cx="12192000" cy="6858000"/>
   <p:notesSz cx="6858000" cy="9144000"/>
@@ -215,7 +209,7 @@
           <a:p>
             <a:fld id="{C04E5E84-956F-4423-97B3-5936A6D8EEEE}" type="datetimeFigureOut">
               <a:rPr lang="en-US" smtClean="0"/>
-              <a:t>8/25/2019</a:t>
+              <a:t>8/26/2019</a:t>
             </a:fld>
             <a:endParaRPr lang="en-US"/>
           </a:p>
@@ -1553,7 +1547,7 @@
           <a:p>
             <a:fld id="{3881C039-66A3-4640-815B-3B5A8B7D868D}" type="datetimeFigureOut">
               <a:rPr lang="en-US" smtClean="0"/>
-              <a:t>8/25/2019</a:t>
+              <a:t>8/26/2019</a:t>
             </a:fld>
             <a:endParaRPr lang="en-US"/>
           </a:p>
@@ -1751,7 +1745,7 @@
           <a:p>
             <a:fld id="{3881C039-66A3-4640-815B-3B5A8B7D868D}" type="datetimeFigureOut">
               <a:rPr lang="en-US" smtClean="0"/>
-              <a:t>8/25/2019</a:t>
+              <a:t>8/26/2019</a:t>
             </a:fld>
             <a:endParaRPr lang="en-US"/>
           </a:p>
@@ -1959,7 +1953,7 @@
           <a:p>
             <a:fld id="{3881C039-66A3-4640-815B-3B5A8B7D868D}" type="datetimeFigureOut">
               <a:rPr lang="en-US" smtClean="0"/>
-              <a:t>8/25/2019</a:t>
+              <a:t>8/26/2019</a:t>
             </a:fld>
             <a:endParaRPr lang="en-US"/>
           </a:p>
@@ -2157,7 +2151,7 @@
           <a:p>
             <a:fld id="{3881C039-66A3-4640-815B-3B5A8B7D868D}" type="datetimeFigureOut">
               <a:rPr lang="en-US" smtClean="0"/>
-              <a:t>8/25/2019</a:t>
+              <a:t>8/26/2019</a:t>
             </a:fld>
             <a:endParaRPr lang="en-US"/>
           </a:p>
@@ -2432,7 +2426,7 @@
           <a:p>
             <a:fld id="{3881C039-66A3-4640-815B-3B5A8B7D868D}" type="datetimeFigureOut">
               <a:rPr lang="en-US" smtClean="0"/>
-              <a:t>8/25/2019</a:t>
+              <a:t>8/26/2019</a:t>
             </a:fld>
             <a:endParaRPr lang="en-US"/>
           </a:p>
@@ -2697,7 +2691,7 @@
           <a:p>
             <a:fld id="{3881C039-66A3-4640-815B-3B5A8B7D868D}" type="datetimeFigureOut">
               <a:rPr lang="en-US" smtClean="0"/>
-              <a:t>8/25/2019</a:t>
+              <a:t>8/26/2019</a:t>
             </a:fld>
             <a:endParaRPr lang="en-US"/>
           </a:p>
@@ -3109,7 +3103,7 @@
           <a:p>
             <a:fld id="{3881C039-66A3-4640-815B-3B5A8B7D868D}" type="datetimeFigureOut">
               <a:rPr lang="en-US" smtClean="0"/>
-              <a:t>8/25/2019</a:t>
+              <a:t>8/26/2019</a:t>
             </a:fld>
             <a:endParaRPr lang="en-US"/>
           </a:p>
@@ -3250,7 +3244,7 @@
           <a:p>
             <a:fld id="{3881C039-66A3-4640-815B-3B5A8B7D868D}" type="datetimeFigureOut">
               <a:rPr lang="en-US" smtClean="0"/>
-              <a:t>8/25/2019</a:t>
+              <a:t>8/26/2019</a:t>
             </a:fld>
             <a:endParaRPr lang="en-US"/>
           </a:p>
@@ -3363,7 +3357,7 @@
           <a:p>
             <a:fld id="{3881C039-66A3-4640-815B-3B5A8B7D868D}" type="datetimeFigureOut">
               <a:rPr lang="en-US" smtClean="0"/>
-              <a:t>8/25/2019</a:t>
+              <a:t>8/26/2019</a:t>
             </a:fld>
             <a:endParaRPr lang="en-US"/>
           </a:p>
@@ -3674,7 +3668,7 @@
           <a:p>
             <a:fld id="{3881C039-66A3-4640-815B-3B5A8B7D868D}" type="datetimeFigureOut">
               <a:rPr lang="en-US" smtClean="0"/>
-              <a:t>8/25/2019</a:t>
+              <a:t>8/26/2019</a:t>
             </a:fld>
             <a:endParaRPr lang="en-US"/>
           </a:p>
@@ -3962,7 +3956,7 @@
           <a:p>
             <a:fld id="{3881C039-66A3-4640-815B-3B5A8B7D868D}" type="datetimeFigureOut">
               <a:rPr lang="en-US" smtClean="0"/>
-              <a:t>8/25/2019</a:t>
+              <a:t>8/26/2019</a:t>
             </a:fld>
             <a:endParaRPr lang="en-US"/>
           </a:p>
@@ -4206,7 +4200,7 @@
           <a:p>
             <a:fld id="{3881C039-66A3-4640-815B-3B5A8B7D868D}" type="datetimeFigureOut">
               <a:rPr lang="en-US" smtClean="0"/>
-              <a:t>8/25/2019</a:t>
+              <a:t>8/26/2019</a:t>
             </a:fld>
             <a:endParaRPr lang="en-US"/>
           </a:p>
@@ -6672,3587 +6666,6 @@
 </file>
 
 <file path=ppt/slides/slide13.xml><?xml version="1.0" encoding="utf-8"?>
-<p:sld xmlns:a="http://schemas.openxmlformats.org/drawingml/2006/main" xmlns:r="http://schemas.openxmlformats.org/officeDocument/2006/relationships" xmlns:p="http://schemas.openxmlformats.org/presentationml/2006/main">
-  <p:cSld>
-    <p:bg>
-      <p:bgPr>
-        <a:solidFill>
-          <a:srgbClr val="395583"/>
-        </a:solidFill>
-        <a:effectLst/>
-      </p:bgPr>
-    </p:bg>
-    <p:spTree>
-      <p:nvGrpSpPr>
-        <p:cNvPr id="1" name=""/>
-        <p:cNvGrpSpPr/>
-        <p:nvPr/>
-      </p:nvGrpSpPr>
-      <p:grpSpPr>
-        <a:xfrm>
-          <a:off x="0" y="0"/>
-          <a:ext cx="0" cy="0"/>
-          <a:chOff x="0" y="0"/>
-          <a:chExt cx="0" cy="0"/>
-        </a:xfrm>
-      </p:grpSpPr>
-      <p:sp>
-        <p:nvSpPr>
-          <p:cNvPr id="25" name="Rectangle 24">
-            <a:extLst>
-              <a:ext uri="{FF2B5EF4-FFF2-40B4-BE49-F238E27FC236}">
-                <a16:creationId xmlns:a16="http://schemas.microsoft.com/office/drawing/2014/main" id="{A6792F05-2FD4-4F18-815E-15391E8B4A0E}"/>
-              </a:ext>
-              <a:ext uri="{C183D7F6-B498-43B3-948B-1728B52AA6E4}">
-                <adec:decorative xmlns:adec="http://schemas.microsoft.com/office/drawing/2017/decorative" val="1"/>
-              </a:ext>
-            </a:extLst>
-          </p:cNvPr>
-          <p:cNvSpPr>
-            <a:spLocks noGrp="1" noRot="1" noChangeAspect="1" noMove="1" noResize="1" noEditPoints="1" noAdjustHandles="1" noChangeArrowheads="1" noChangeShapeType="1" noTextEdit="1"/>
-          </p:cNvSpPr>
-          <p:nvPr>
-            <p:extLst>
-              <p:ext uri="{386F3935-93C4-4BCD-93E2-E3B085C9AB24}">
-                <p16:designElem xmlns:p16="http://schemas.microsoft.com/office/powerpoint/2015/main" val="1"/>
-              </p:ext>
-            </p:extLst>
-          </p:nvPr>
-        </p:nvSpPr>
-        <p:spPr>
-          <a:xfrm>
-            <a:off x="0" y="0"/>
-            <a:ext cx="12191999" cy="6858000"/>
-          </a:xfrm>
-          <a:prstGeom prst="rect">
-            <a:avLst/>
-          </a:prstGeom>
-          <a:solidFill>
-            <a:srgbClr val="395583"/>
-          </a:solidFill>
-          <a:ln>
-            <a:noFill/>
-          </a:ln>
-        </p:spPr>
-        <p:style>
-          <a:lnRef idx="2">
-            <a:schemeClr val="accent1">
-              <a:shade val="50000"/>
-            </a:schemeClr>
-          </a:lnRef>
-          <a:fillRef idx="1">
-            <a:schemeClr val="accent1"/>
-          </a:fillRef>
-          <a:effectRef idx="0">
-            <a:schemeClr val="accent1"/>
-          </a:effectRef>
-          <a:fontRef idx="minor">
-            <a:schemeClr val="lt1"/>
-          </a:fontRef>
-        </p:style>
-        <p:txBody>
-          <a:bodyPr rtlCol="0" anchor="ctr"/>
-          <a:lstStyle/>
-          <a:p>
-            <a:pPr algn="ctr"/>
-            <a:endParaRPr lang="en-US"/>
-          </a:p>
-        </p:txBody>
-      </p:sp>
-      <p:sp>
-        <p:nvSpPr>
-          <p:cNvPr id="2" name="Title 1">
-            <a:extLst>
-              <a:ext uri="{FF2B5EF4-FFF2-40B4-BE49-F238E27FC236}">
-                <a16:creationId xmlns:a16="http://schemas.microsoft.com/office/drawing/2014/main" id="{2589AFCC-0FF0-498C-B11F-8990DF0DAAA5}"/>
-              </a:ext>
-            </a:extLst>
-          </p:cNvPr>
-          <p:cNvSpPr>
-            <a:spLocks noGrp="1"/>
-          </p:cNvSpPr>
-          <p:nvPr>
-            <p:ph type="title"/>
-          </p:nvPr>
-        </p:nvSpPr>
-        <p:spPr>
-          <a:xfrm>
-            <a:off x="838200" y="365125"/>
-            <a:ext cx="10515600" cy="1325563"/>
-          </a:xfrm>
-        </p:spPr>
-        <p:txBody>
-          <a:bodyPr>
-            <a:normAutofit/>
-          </a:bodyPr>
-          <a:lstStyle/>
-          <a:p>
-            <a:r>
-              <a:rPr lang="en-US" b="1" dirty="0">
-                <a:latin typeface="Selawik Semibold" panose="020B0604020202020204" pitchFamily="34" charset="0"/>
-              </a:rPr>
-              <a:t>Analytics In the Organization</a:t>
-            </a:r>
-          </a:p>
-        </p:txBody>
-      </p:sp>
-      <p:sp>
-        <p:nvSpPr>
-          <p:cNvPr id="9" name="Content Placeholder 8">
-            <a:extLst>
-              <a:ext uri="{FF2B5EF4-FFF2-40B4-BE49-F238E27FC236}">
-                <a16:creationId xmlns:a16="http://schemas.microsoft.com/office/drawing/2014/main" id="{2D995594-59F2-4020-AB6F-751BAE84ADB3}"/>
-              </a:ext>
-            </a:extLst>
-          </p:cNvPr>
-          <p:cNvSpPr>
-            <a:spLocks noGrp="1"/>
-          </p:cNvSpPr>
-          <p:nvPr>
-            <p:ph idx="1"/>
-          </p:nvPr>
-        </p:nvSpPr>
-        <p:spPr>
-          <a:xfrm>
-            <a:off x="838200" y="2021249"/>
-            <a:ext cx="6994712" cy="4155713"/>
-          </a:xfrm>
-        </p:spPr>
-        <p:txBody>
-          <a:bodyPr>
-            <a:normAutofit/>
-          </a:bodyPr>
-          <a:lstStyle/>
-          <a:p>
-            <a:r>
-              <a:rPr lang="en-US" sz="2400" dirty="0">
-                <a:latin typeface="Selawik Semibold" panose="020B0702040204020203" pitchFamily="34" charset="0"/>
-              </a:rPr>
-              <a:t>On-the-Field</a:t>
-            </a:r>
-          </a:p>
-          <a:p>
-            <a:pPr lvl="1"/>
-            <a:r>
-              <a:rPr lang="en-US" sz="2000" dirty="0">
-                <a:latin typeface="Selawik Semibold" panose="020B0702040204020203" pitchFamily="34" charset="0"/>
-              </a:rPr>
-              <a:t>Coaching</a:t>
-            </a:r>
-          </a:p>
-          <a:p>
-            <a:pPr lvl="1"/>
-            <a:r>
-              <a:rPr lang="en-US" sz="2000" dirty="0">
-                <a:latin typeface="Selawik Semibold" panose="020B0702040204020203" pitchFamily="34" charset="0"/>
-              </a:rPr>
-              <a:t>Player Development</a:t>
-            </a:r>
-          </a:p>
-          <a:p>
-            <a:pPr lvl="1"/>
-            <a:r>
-              <a:rPr lang="en-US" sz="2000" dirty="0">
-                <a:latin typeface="Selawik Semibold" panose="020B0702040204020203" pitchFamily="34" charset="0"/>
-              </a:rPr>
-              <a:t>Player Evaluation</a:t>
-            </a:r>
-          </a:p>
-          <a:p>
-            <a:pPr lvl="1"/>
-            <a:endParaRPr lang="en-US" sz="2000" dirty="0">
-              <a:latin typeface="Selawik Semibold" panose="020B0702040204020203" pitchFamily="34" charset="0"/>
-            </a:endParaRPr>
-          </a:p>
-          <a:p>
-            <a:r>
-              <a:rPr lang="en-US" sz="2400" dirty="0">
-                <a:latin typeface="Selawik Semibold" panose="020B0702040204020203" pitchFamily="34" charset="0"/>
-              </a:rPr>
-              <a:t>Off-the-Field</a:t>
-            </a:r>
-          </a:p>
-          <a:p>
-            <a:pPr lvl="1"/>
-            <a:r>
-              <a:rPr lang="en-US" sz="2000" dirty="0">
-                <a:latin typeface="Selawik Semibold" panose="020B0702040204020203" pitchFamily="34" charset="0"/>
-              </a:rPr>
-              <a:t>Sales</a:t>
-            </a:r>
-          </a:p>
-          <a:p>
-            <a:pPr lvl="1"/>
-            <a:r>
-              <a:rPr lang="en-US" sz="2000" dirty="0">
-                <a:latin typeface="Selawik Semibold" panose="020B0702040204020203" pitchFamily="34" charset="0"/>
-              </a:rPr>
-              <a:t>Marketing</a:t>
-            </a:r>
-          </a:p>
-          <a:p>
-            <a:pPr lvl="1"/>
-            <a:r>
-              <a:rPr lang="en-US" sz="2000" dirty="0">
-                <a:latin typeface="Selawik Semibold" panose="020B0702040204020203" pitchFamily="34" charset="0"/>
-              </a:rPr>
-              <a:t>Cap Management</a:t>
-            </a:r>
-          </a:p>
-          <a:p>
-            <a:pPr lvl="1"/>
-            <a:r>
-              <a:rPr lang="en-US" sz="2000" dirty="0">
-                <a:latin typeface="Selawik Semibold" panose="020B0702040204020203" pitchFamily="34" charset="0"/>
-              </a:rPr>
-              <a:t>Hiring</a:t>
-            </a:r>
-          </a:p>
-          <a:p>
-            <a:pPr lvl="1"/>
-            <a:r>
-              <a:rPr lang="en-US" sz="2000" dirty="0">
-                <a:latin typeface="Selawik Semibold" panose="020B0702040204020203" pitchFamily="34" charset="0"/>
-              </a:rPr>
-              <a:t>Public Relations and Social Media</a:t>
-            </a:r>
-          </a:p>
-        </p:txBody>
-      </p:sp>
-      <p:pic>
-        <p:nvPicPr>
-          <p:cNvPr id="4" name="Picture 3" descr="A drawing of a cartoon character&#10;&#10;Description automatically generated">
-            <a:extLst>
-              <a:ext uri="{FF2B5EF4-FFF2-40B4-BE49-F238E27FC236}">
-                <a16:creationId xmlns:a16="http://schemas.microsoft.com/office/drawing/2014/main" id="{A7FDC859-D890-4904-9C64-27F43DA90453}"/>
-              </a:ext>
-            </a:extLst>
-          </p:cNvPr>
-          <p:cNvPicPr>
-            <a:picLocks noChangeAspect="1"/>
-          </p:cNvPicPr>
-          <p:nvPr/>
-        </p:nvPicPr>
-        <p:blipFill rotWithShape="1">
-          <a:blip r:embed="rId2">
-            <a:extLst>
-              <a:ext uri="{28A0092B-C50C-407E-A947-70E740481C1C}">
-                <a14:useLocalDpi xmlns:a14="http://schemas.microsoft.com/office/drawing/2010/main" val="0"/>
-              </a:ext>
-            </a:extLst>
-          </a:blip>
-          <a:srcRect t="5616" r="2" b="2"/>
-          <a:stretch/>
-        </p:blipFill>
-        <p:spPr>
-          <a:xfrm>
-            <a:off x="7471144" y="1700078"/>
-            <a:ext cx="4720855" cy="2583792"/>
-          </a:xfrm>
-          <a:custGeom>
-            <a:avLst/>
-            <a:gdLst>
-              <a:gd name="connsiteX0" fmla="*/ 0 w 5475077"/>
-              <a:gd name="connsiteY0" fmla="*/ 0 h 2583792"/>
-              <a:gd name="connsiteX1" fmla="*/ 5475077 w 5475077"/>
-              <a:gd name="connsiteY1" fmla="*/ 0 h 2583792"/>
-              <a:gd name="connsiteX2" fmla="*/ 5475077 w 5475077"/>
-              <a:gd name="connsiteY2" fmla="*/ 2583792 h 2583792"/>
-              <a:gd name="connsiteX3" fmla="*/ 1197192 w 5475077"/>
-              <a:gd name="connsiteY3" fmla="*/ 2583792 h 2583792"/>
-            </a:gdLst>
-            <a:ahLst/>
-            <a:cxnLst>
-              <a:cxn ang="0">
-                <a:pos x="connsiteX0" y="connsiteY0"/>
-              </a:cxn>
-              <a:cxn ang="0">
-                <a:pos x="connsiteX1" y="connsiteY1"/>
-              </a:cxn>
-              <a:cxn ang="0">
-                <a:pos x="connsiteX2" y="connsiteY2"/>
-              </a:cxn>
-              <a:cxn ang="0">
-                <a:pos x="connsiteX3" y="connsiteY3"/>
-              </a:cxn>
-            </a:cxnLst>
-            <a:rect l="l" t="t" r="r" b="b"/>
-            <a:pathLst>
-              <a:path w="5475077" h="2583792">
-                <a:moveTo>
-                  <a:pt x="0" y="0"/>
-                </a:moveTo>
-                <a:lnTo>
-                  <a:pt x="5475077" y="0"/>
-                </a:lnTo>
-                <a:lnTo>
-                  <a:pt x="5475077" y="2583792"/>
-                </a:lnTo>
-                <a:lnTo>
-                  <a:pt x="1197192" y="2583792"/>
-                </a:lnTo>
-                <a:close/>
-              </a:path>
-            </a:pathLst>
-          </a:custGeom>
-        </p:spPr>
-      </p:pic>
-      <p:pic>
-        <p:nvPicPr>
-          <p:cNvPr id="5" name="Content Placeholder 4" descr="A picture containing indoor&#10;&#10;Description automatically generated">
-            <a:extLst>
-              <a:ext uri="{FF2B5EF4-FFF2-40B4-BE49-F238E27FC236}">
-                <a16:creationId xmlns:a16="http://schemas.microsoft.com/office/drawing/2014/main" id="{A58F0E55-21F3-485B-A07F-1CE74177BDD2}"/>
-              </a:ext>
-            </a:extLst>
-          </p:cNvPr>
-          <p:cNvPicPr>
-            <a:picLocks noChangeAspect="1"/>
-          </p:cNvPicPr>
-          <p:nvPr/>
-        </p:nvPicPr>
-        <p:blipFill rotWithShape="1">
-          <a:blip r:embed="rId3">
-            <a:extLst>
-              <a:ext uri="{28A0092B-C50C-407E-A947-70E740481C1C}">
-                <a14:useLocalDpi xmlns:a14="http://schemas.microsoft.com/office/drawing/2010/main" val="0"/>
-              </a:ext>
-            </a:extLst>
-          </a:blip>
-          <a:srcRect t="5300" r="3" b="6859"/>
-          <a:stretch/>
-        </p:blipFill>
-        <p:spPr>
-          <a:xfrm>
-            <a:off x="8491869" y="4283870"/>
-            <a:ext cx="3700129" cy="2583520"/>
-          </a:xfrm>
-          <a:custGeom>
-            <a:avLst/>
-            <a:gdLst>
-              <a:gd name="connsiteX0" fmla="*/ 0 w 4277884"/>
-              <a:gd name="connsiteY0" fmla="*/ 0 h 2583520"/>
-              <a:gd name="connsiteX1" fmla="*/ 4277884 w 4277884"/>
-              <a:gd name="connsiteY1" fmla="*/ 0 h 2583520"/>
-              <a:gd name="connsiteX2" fmla="*/ 4277884 w 4277884"/>
-              <a:gd name="connsiteY2" fmla="*/ 2583520 h 2583520"/>
-              <a:gd name="connsiteX3" fmla="*/ 1192437 w 4277884"/>
-              <a:gd name="connsiteY3" fmla="*/ 2583520 h 2583520"/>
-              <a:gd name="connsiteX4" fmla="*/ 1188085 w 4277884"/>
-              <a:gd name="connsiteY4" fmla="*/ 2574129 h 2583520"/>
-              <a:gd name="connsiteX5" fmla="*/ 1192715 w 4277884"/>
-              <a:gd name="connsiteY5" fmla="*/ 2574129 h 2583520"/>
-            </a:gdLst>
-            <a:ahLst/>
-            <a:cxnLst>
-              <a:cxn ang="0">
-                <a:pos x="connsiteX0" y="connsiteY0"/>
-              </a:cxn>
-              <a:cxn ang="0">
-                <a:pos x="connsiteX1" y="connsiteY1"/>
-              </a:cxn>
-              <a:cxn ang="0">
-                <a:pos x="connsiteX2" y="connsiteY2"/>
-              </a:cxn>
-              <a:cxn ang="0">
-                <a:pos x="connsiteX3" y="connsiteY3"/>
-              </a:cxn>
-              <a:cxn ang="0">
-                <a:pos x="connsiteX4" y="connsiteY4"/>
-              </a:cxn>
-              <a:cxn ang="0">
-                <a:pos x="connsiteX5" y="connsiteY5"/>
-              </a:cxn>
-            </a:cxnLst>
-            <a:rect l="l" t="t" r="r" b="b"/>
-            <a:pathLst>
-              <a:path w="4277884" h="2583520">
-                <a:moveTo>
-                  <a:pt x="0" y="0"/>
-                </a:moveTo>
-                <a:lnTo>
-                  <a:pt x="4277884" y="0"/>
-                </a:lnTo>
-                <a:lnTo>
-                  <a:pt x="4277884" y="2583520"/>
-                </a:lnTo>
-                <a:lnTo>
-                  <a:pt x="1192437" y="2583520"/>
-                </a:lnTo>
-                <a:lnTo>
-                  <a:pt x="1188085" y="2574129"/>
-                </a:lnTo>
-                <a:lnTo>
-                  <a:pt x="1192715" y="2574129"/>
-                </a:lnTo>
-                <a:close/>
-              </a:path>
-            </a:pathLst>
-          </a:custGeom>
-        </p:spPr>
-      </p:pic>
-      <p:sp>
-        <p:nvSpPr>
-          <p:cNvPr id="6" name="Rectangle 5">
-            <a:extLst>
-              <a:ext uri="{FF2B5EF4-FFF2-40B4-BE49-F238E27FC236}">
-                <a16:creationId xmlns:a16="http://schemas.microsoft.com/office/drawing/2014/main" id="{A2901312-C3C2-4CEC-80EF-823AB4FBB726}"/>
-              </a:ext>
-            </a:extLst>
-          </p:cNvPr>
-          <p:cNvSpPr/>
-          <p:nvPr/>
-        </p:nvSpPr>
-        <p:spPr>
-          <a:xfrm>
-            <a:off x="-1" y="1608918"/>
-            <a:ext cx="12191999" cy="91160"/>
-          </a:xfrm>
-          <a:prstGeom prst="rect">
-            <a:avLst/>
-          </a:prstGeom>
-          <a:solidFill>
-            <a:schemeClr val="bg1"/>
-          </a:solidFill>
-          <a:ln>
-            <a:noFill/>
-          </a:ln>
-        </p:spPr>
-        <p:style>
-          <a:lnRef idx="2">
-            <a:schemeClr val="accent1">
-              <a:shade val="50000"/>
-            </a:schemeClr>
-          </a:lnRef>
-          <a:fillRef idx="1">
-            <a:schemeClr val="accent1"/>
-          </a:fillRef>
-          <a:effectRef idx="0">
-            <a:schemeClr val="accent1"/>
-          </a:effectRef>
-          <a:fontRef idx="minor">
-            <a:schemeClr val="lt1"/>
-          </a:fontRef>
-        </p:style>
-        <p:txBody>
-          <a:bodyPr rtlCol="0" anchor="ctr"/>
-          <a:lstStyle/>
-          <a:p>
-            <a:pPr algn="ctr"/>
-            <a:endParaRPr lang="en-US">
-              <a:solidFill>
-                <a:srgbClr val="DB5B5C"/>
-              </a:solidFill>
-            </a:endParaRPr>
-          </a:p>
-        </p:txBody>
-      </p:sp>
-      <p:sp>
-        <p:nvSpPr>
-          <p:cNvPr id="15" name="Rectangle 14">
-            <a:extLst>
-              <a:ext uri="{FF2B5EF4-FFF2-40B4-BE49-F238E27FC236}">
-                <a16:creationId xmlns:a16="http://schemas.microsoft.com/office/drawing/2014/main" id="{AD0A7C9C-CA2C-4B9B-A125-2D09D5573B44}"/>
-              </a:ext>
-            </a:extLst>
-          </p:cNvPr>
-          <p:cNvSpPr/>
-          <p:nvPr/>
-        </p:nvSpPr>
-        <p:spPr>
-          <a:xfrm>
-            <a:off x="1" y="6677247"/>
-            <a:ext cx="12191999" cy="190143"/>
-          </a:xfrm>
-          <a:prstGeom prst="rect">
-            <a:avLst/>
-          </a:prstGeom>
-          <a:solidFill>
-            <a:schemeClr val="bg1"/>
-          </a:solidFill>
-          <a:ln>
-            <a:noFill/>
-          </a:ln>
-        </p:spPr>
-        <p:style>
-          <a:lnRef idx="2">
-            <a:schemeClr val="accent1">
-              <a:shade val="50000"/>
-            </a:schemeClr>
-          </a:lnRef>
-          <a:fillRef idx="1">
-            <a:schemeClr val="accent1"/>
-          </a:fillRef>
-          <a:effectRef idx="0">
-            <a:schemeClr val="accent1"/>
-          </a:effectRef>
-          <a:fontRef idx="minor">
-            <a:schemeClr val="lt1"/>
-          </a:fontRef>
-        </p:style>
-        <p:txBody>
-          <a:bodyPr rtlCol="0" anchor="ctr"/>
-          <a:lstStyle/>
-          <a:p>
-            <a:pPr algn="ctr"/>
-            <a:endParaRPr lang="en-US">
-              <a:solidFill>
-                <a:srgbClr val="DB5B5C"/>
-              </a:solidFill>
-            </a:endParaRPr>
-          </a:p>
-        </p:txBody>
-      </p:sp>
-      <p:sp>
-        <p:nvSpPr>
-          <p:cNvPr id="16" name="Rectangle 15">
-            <a:extLst>
-              <a:ext uri="{FF2B5EF4-FFF2-40B4-BE49-F238E27FC236}">
-                <a16:creationId xmlns:a16="http://schemas.microsoft.com/office/drawing/2014/main" id="{74A085FC-1866-46D4-97F7-51AA45E48D4F}"/>
-              </a:ext>
-            </a:extLst>
-          </p:cNvPr>
-          <p:cNvSpPr/>
-          <p:nvPr/>
-        </p:nvSpPr>
-        <p:spPr>
-          <a:xfrm rot="4092292">
-            <a:off x="5790668" y="4094517"/>
-            <a:ext cx="5446699" cy="137038"/>
-          </a:xfrm>
-          <a:prstGeom prst="rect">
-            <a:avLst/>
-          </a:prstGeom>
-          <a:solidFill>
-            <a:schemeClr val="bg1"/>
-          </a:solidFill>
-          <a:ln>
-            <a:noFill/>
-          </a:ln>
-        </p:spPr>
-        <p:style>
-          <a:lnRef idx="2">
-            <a:schemeClr val="accent1">
-              <a:shade val="50000"/>
-            </a:schemeClr>
-          </a:lnRef>
-          <a:fillRef idx="1">
-            <a:schemeClr val="accent1"/>
-          </a:fillRef>
-          <a:effectRef idx="0">
-            <a:schemeClr val="accent1"/>
-          </a:effectRef>
-          <a:fontRef idx="minor">
-            <a:schemeClr val="lt1"/>
-          </a:fontRef>
-        </p:style>
-        <p:txBody>
-          <a:bodyPr rtlCol="0" anchor="ctr"/>
-          <a:lstStyle/>
-          <a:p>
-            <a:pPr algn="ctr"/>
-            <a:endParaRPr lang="en-US">
-              <a:solidFill>
-                <a:srgbClr val="DB5B5C"/>
-              </a:solidFill>
-            </a:endParaRPr>
-          </a:p>
-        </p:txBody>
-      </p:sp>
-    </p:spTree>
-    <p:extLst>
-      <p:ext uri="{BB962C8B-B14F-4D97-AF65-F5344CB8AC3E}">
-        <p14:creationId xmlns:p14="http://schemas.microsoft.com/office/powerpoint/2010/main" val="2762272663"/>
-      </p:ext>
-    </p:extLst>
-  </p:cSld>
-  <p:clrMapOvr>
-    <a:overrideClrMapping bg1="dk1" tx1="lt1" bg2="dk2" tx2="lt2" accent1="accent1" accent2="accent2" accent3="accent3" accent4="accent4" accent5="accent5" accent6="accent6" hlink="hlink" folHlink="folHlink"/>
-  </p:clrMapOvr>
-</p:sld>
-</file>
-
-<file path=ppt/slides/slide14.xml><?xml version="1.0" encoding="utf-8"?>
-<p:sld xmlns:a="http://schemas.openxmlformats.org/drawingml/2006/main" xmlns:r="http://schemas.openxmlformats.org/officeDocument/2006/relationships" xmlns:p="http://schemas.openxmlformats.org/presentationml/2006/main">
-  <p:cSld>
-    <p:bg>
-      <p:bgPr>
-        <a:solidFill>
-          <a:srgbClr val="395583"/>
-        </a:solidFill>
-        <a:effectLst/>
-      </p:bgPr>
-    </p:bg>
-    <p:spTree>
-      <p:nvGrpSpPr>
-        <p:cNvPr id="1" name=""/>
-        <p:cNvGrpSpPr/>
-        <p:nvPr/>
-      </p:nvGrpSpPr>
-      <p:grpSpPr>
-        <a:xfrm>
-          <a:off x="0" y="0"/>
-          <a:ext cx="0" cy="0"/>
-          <a:chOff x="0" y="0"/>
-          <a:chExt cx="0" cy="0"/>
-        </a:xfrm>
-      </p:grpSpPr>
-      <p:sp>
-        <p:nvSpPr>
-          <p:cNvPr id="25" name="Rectangle 24">
-            <a:extLst>
-              <a:ext uri="{FF2B5EF4-FFF2-40B4-BE49-F238E27FC236}">
-                <a16:creationId xmlns:a16="http://schemas.microsoft.com/office/drawing/2014/main" id="{A6792F05-2FD4-4F18-815E-15391E8B4A0E}"/>
-              </a:ext>
-              <a:ext uri="{C183D7F6-B498-43B3-948B-1728B52AA6E4}">
-                <adec:decorative xmlns:adec="http://schemas.microsoft.com/office/drawing/2017/decorative" val="1"/>
-              </a:ext>
-            </a:extLst>
-          </p:cNvPr>
-          <p:cNvSpPr>
-            <a:spLocks noGrp="1" noRot="1" noChangeAspect="1" noMove="1" noResize="1" noEditPoints="1" noAdjustHandles="1" noChangeArrowheads="1" noChangeShapeType="1" noTextEdit="1"/>
-          </p:cNvSpPr>
-          <p:nvPr>
-            <p:extLst>
-              <p:ext uri="{386F3935-93C4-4BCD-93E2-E3B085C9AB24}">
-                <p16:designElem xmlns:p16="http://schemas.microsoft.com/office/powerpoint/2015/main" val="1"/>
-              </p:ext>
-            </p:extLst>
-          </p:nvPr>
-        </p:nvSpPr>
-        <p:spPr>
-          <a:xfrm>
-            <a:off x="0" y="0"/>
-            <a:ext cx="12191999" cy="6858000"/>
-          </a:xfrm>
-          <a:prstGeom prst="rect">
-            <a:avLst/>
-          </a:prstGeom>
-          <a:solidFill>
-            <a:srgbClr val="395583"/>
-          </a:solidFill>
-          <a:ln>
-            <a:noFill/>
-          </a:ln>
-        </p:spPr>
-        <p:style>
-          <a:lnRef idx="2">
-            <a:schemeClr val="accent1">
-              <a:shade val="50000"/>
-            </a:schemeClr>
-          </a:lnRef>
-          <a:fillRef idx="1">
-            <a:schemeClr val="accent1"/>
-          </a:fillRef>
-          <a:effectRef idx="0">
-            <a:schemeClr val="accent1"/>
-          </a:effectRef>
-          <a:fontRef idx="minor">
-            <a:schemeClr val="lt1"/>
-          </a:fontRef>
-        </p:style>
-        <p:txBody>
-          <a:bodyPr rtlCol="0" anchor="ctr"/>
-          <a:lstStyle/>
-          <a:p>
-            <a:pPr algn="ctr"/>
-            <a:endParaRPr lang="en-US"/>
-          </a:p>
-        </p:txBody>
-      </p:sp>
-      <p:sp>
-        <p:nvSpPr>
-          <p:cNvPr id="2" name="Title 1">
-            <a:extLst>
-              <a:ext uri="{FF2B5EF4-FFF2-40B4-BE49-F238E27FC236}">
-                <a16:creationId xmlns:a16="http://schemas.microsoft.com/office/drawing/2014/main" id="{2589AFCC-0FF0-498C-B11F-8990DF0DAAA5}"/>
-              </a:ext>
-            </a:extLst>
-          </p:cNvPr>
-          <p:cNvSpPr>
-            <a:spLocks noGrp="1"/>
-          </p:cNvSpPr>
-          <p:nvPr>
-            <p:ph type="title"/>
-          </p:nvPr>
-        </p:nvSpPr>
-        <p:spPr>
-          <a:xfrm>
-            <a:off x="838200" y="365125"/>
-            <a:ext cx="10515600" cy="1325563"/>
-          </a:xfrm>
-        </p:spPr>
-        <p:txBody>
-          <a:bodyPr>
-            <a:normAutofit/>
-          </a:bodyPr>
-          <a:lstStyle/>
-          <a:p>
-            <a:r>
-              <a:rPr lang="en-US" b="1" dirty="0">
-                <a:latin typeface="Selawik Semibold" panose="020B0604020202020204" pitchFamily="34" charset="0"/>
-              </a:rPr>
-              <a:t>Analytics Across the Organizations</a:t>
-            </a:r>
-          </a:p>
-        </p:txBody>
-      </p:sp>
-      <p:sp>
-        <p:nvSpPr>
-          <p:cNvPr id="9" name="Content Placeholder 8">
-            <a:extLst>
-              <a:ext uri="{FF2B5EF4-FFF2-40B4-BE49-F238E27FC236}">
-                <a16:creationId xmlns:a16="http://schemas.microsoft.com/office/drawing/2014/main" id="{2D995594-59F2-4020-AB6F-751BAE84ADB3}"/>
-              </a:ext>
-            </a:extLst>
-          </p:cNvPr>
-          <p:cNvSpPr>
-            <a:spLocks noGrp="1"/>
-          </p:cNvSpPr>
-          <p:nvPr>
-            <p:ph idx="1"/>
-          </p:nvPr>
-        </p:nvSpPr>
-        <p:spPr>
-          <a:xfrm>
-            <a:off x="838200" y="2021249"/>
-            <a:ext cx="6994712" cy="4155713"/>
-          </a:xfrm>
-        </p:spPr>
-        <p:txBody>
-          <a:bodyPr>
-            <a:normAutofit/>
-          </a:bodyPr>
-          <a:lstStyle/>
-          <a:p>
-            <a:r>
-              <a:rPr lang="en-US" sz="2400" dirty="0">
-                <a:latin typeface="Selawik Semibold" panose="020B0702040204020203" pitchFamily="34" charset="0"/>
-              </a:rPr>
-              <a:t>Sports Analytics Use Survey (2013)</a:t>
-            </a:r>
-          </a:p>
-          <a:p>
-            <a:endParaRPr lang="en-US" sz="2400" dirty="0">
-              <a:latin typeface="Selawik Semibold" panose="020B0702040204020203" pitchFamily="34" charset="0"/>
-            </a:endParaRPr>
-          </a:p>
-          <a:p>
-            <a:r>
-              <a:rPr lang="en-US" sz="2400" dirty="0">
-                <a:latin typeface="Selawik Semibold" panose="020B0702040204020203" pitchFamily="34" charset="0"/>
-              </a:rPr>
-              <a:t>Sample of 27 People</a:t>
-            </a:r>
-            <a:r>
-              <a:rPr lang="en-US" sz="2000" dirty="0">
-                <a:latin typeface="Selawik Semibold" panose="020B0702040204020203" pitchFamily="34" charset="0"/>
-              </a:rPr>
-              <a:t> </a:t>
-            </a:r>
-            <a:r>
-              <a:rPr lang="en-US" sz="2400" dirty="0">
-                <a:latin typeface="Selawik Semibold" panose="020B0702040204020203" pitchFamily="34" charset="0"/>
-              </a:rPr>
-              <a:t>(NFL, MLB, NBA, EPL)</a:t>
-            </a:r>
-          </a:p>
-          <a:p>
-            <a:endParaRPr lang="en-US" sz="2400" dirty="0">
-              <a:latin typeface="Selawik Semibold" panose="020B0702040204020203" pitchFamily="34" charset="0"/>
-            </a:endParaRPr>
-          </a:p>
-          <a:p>
-            <a:r>
-              <a:rPr lang="en-US" sz="2400" dirty="0">
-                <a:latin typeface="Selawik Semibold" panose="020B0702040204020203" pitchFamily="34" charset="0"/>
-              </a:rPr>
-              <a:t>How Many Different Sources?</a:t>
-            </a:r>
-          </a:p>
-          <a:p>
-            <a:pPr lvl="1"/>
-            <a:r>
-              <a:rPr lang="en-US" sz="2000" dirty="0">
-                <a:latin typeface="Selawik Semibold" panose="020B0702040204020203" pitchFamily="34" charset="0"/>
-              </a:rPr>
-              <a:t>1-2 (6.7%) </a:t>
-            </a:r>
-          </a:p>
-          <a:p>
-            <a:pPr lvl="1"/>
-            <a:r>
-              <a:rPr lang="en-US" sz="2000" dirty="0">
-                <a:latin typeface="Selawik Semibold" panose="020B0702040204020203" pitchFamily="34" charset="0"/>
-              </a:rPr>
-              <a:t>3-4 (33.3%) </a:t>
-            </a:r>
-          </a:p>
-          <a:p>
-            <a:pPr lvl="1"/>
-            <a:r>
-              <a:rPr lang="en-US" sz="2000" dirty="0">
-                <a:latin typeface="Selawik Semibold" panose="020B0702040204020203" pitchFamily="34" charset="0"/>
-              </a:rPr>
-              <a:t>5-6 (13.3%) </a:t>
-            </a:r>
-          </a:p>
-          <a:p>
-            <a:pPr lvl="1"/>
-            <a:r>
-              <a:rPr lang="en-US" sz="2000" dirty="0">
-                <a:latin typeface="Selawik Semibold" panose="020B0702040204020203" pitchFamily="34" charset="0"/>
-              </a:rPr>
-              <a:t>&gt;6 (46.71%) </a:t>
-            </a:r>
-          </a:p>
-        </p:txBody>
-      </p:sp>
-      <p:pic>
-        <p:nvPicPr>
-          <p:cNvPr id="4" name="Picture 3" descr="A drawing of a cartoon character&#10;&#10;Description automatically generated">
-            <a:extLst>
-              <a:ext uri="{FF2B5EF4-FFF2-40B4-BE49-F238E27FC236}">
-                <a16:creationId xmlns:a16="http://schemas.microsoft.com/office/drawing/2014/main" id="{A7FDC859-D890-4904-9C64-27F43DA90453}"/>
-              </a:ext>
-            </a:extLst>
-          </p:cNvPr>
-          <p:cNvPicPr>
-            <a:picLocks noChangeAspect="1"/>
-          </p:cNvPicPr>
-          <p:nvPr/>
-        </p:nvPicPr>
-        <p:blipFill rotWithShape="1">
-          <a:blip r:embed="rId2">
-            <a:extLst>
-              <a:ext uri="{28A0092B-C50C-407E-A947-70E740481C1C}">
-                <a14:useLocalDpi xmlns:a14="http://schemas.microsoft.com/office/drawing/2010/main" val="0"/>
-              </a:ext>
-            </a:extLst>
-          </a:blip>
-          <a:srcRect t="5616" r="2" b="2"/>
-          <a:stretch/>
-        </p:blipFill>
-        <p:spPr>
-          <a:xfrm>
-            <a:off x="7471144" y="1700078"/>
-            <a:ext cx="4720855" cy="2583792"/>
-          </a:xfrm>
-          <a:custGeom>
-            <a:avLst/>
-            <a:gdLst>
-              <a:gd name="connsiteX0" fmla="*/ 0 w 5475077"/>
-              <a:gd name="connsiteY0" fmla="*/ 0 h 2583792"/>
-              <a:gd name="connsiteX1" fmla="*/ 5475077 w 5475077"/>
-              <a:gd name="connsiteY1" fmla="*/ 0 h 2583792"/>
-              <a:gd name="connsiteX2" fmla="*/ 5475077 w 5475077"/>
-              <a:gd name="connsiteY2" fmla="*/ 2583792 h 2583792"/>
-              <a:gd name="connsiteX3" fmla="*/ 1197192 w 5475077"/>
-              <a:gd name="connsiteY3" fmla="*/ 2583792 h 2583792"/>
-            </a:gdLst>
-            <a:ahLst/>
-            <a:cxnLst>
-              <a:cxn ang="0">
-                <a:pos x="connsiteX0" y="connsiteY0"/>
-              </a:cxn>
-              <a:cxn ang="0">
-                <a:pos x="connsiteX1" y="connsiteY1"/>
-              </a:cxn>
-              <a:cxn ang="0">
-                <a:pos x="connsiteX2" y="connsiteY2"/>
-              </a:cxn>
-              <a:cxn ang="0">
-                <a:pos x="connsiteX3" y="connsiteY3"/>
-              </a:cxn>
-            </a:cxnLst>
-            <a:rect l="l" t="t" r="r" b="b"/>
-            <a:pathLst>
-              <a:path w="5475077" h="2583792">
-                <a:moveTo>
-                  <a:pt x="0" y="0"/>
-                </a:moveTo>
-                <a:lnTo>
-                  <a:pt x="5475077" y="0"/>
-                </a:lnTo>
-                <a:lnTo>
-                  <a:pt x="5475077" y="2583792"/>
-                </a:lnTo>
-                <a:lnTo>
-                  <a:pt x="1197192" y="2583792"/>
-                </a:lnTo>
-                <a:close/>
-              </a:path>
-            </a:pathLst>
-          </a:custGeom>
-        </p:spPr>
-      </p:pic>
-      <p:pic>
-        <p:nvPicPr>
-          <p:cNvPr id="5" name="Content Placeholder 4" descr="A picture containing indoor&#10;&#10;Description automatically generated">
-            <a:extLst>
-              <a:ext uri="{FF2B5EF4-FFF2-40B4-BE49-F238E27FC236}">
-                <a16:creationId xmlns:a16="http://schemas.microsoft.com/office/drawing/2014/main" id="{A58F0E55-21F3-485B-A07F-1CE74177BDD2}"/>
-              </a:ext>
-            </a:extLst>
-          </p:cNvPr>
-          <p:cNvPicPr>
-            <a:picLocks noChangeAspect="1"/>
-          </p:cNvPicPr>
-          <p:nvPr/>
-        </p:nvPicPr>
-        <p:blipFill rotWithShape="1">
-          <a:blip r:embed="rId3">
-            <a:extLst>
-              <a:ext uri="{28A0092B-C50C-407E-A947-70E740481C1C}">
-                <a14:useLocalDpi xmlns:a14="http://schemas.microsoft.com/office/drawing/2010/main" val="0"/>
-              </a:ext>
-            </a:extLst>
-          </a:blip>
-          <a:srcRect t="5300" r="3" b="6859"/>
-          <a:stretch/>
-        </p:blipFill>
-        <p:spPr>
-          <a:xfrm>
-            <a:off x="8491869" y="4283870"/>
-            <a:ext cx="3700129" cy="2583520"/>
-          </a:xfrm>
-          <a:custGeom>
-            <a:avLst/>
-            <a:gdLst>
-              <a:gd name="connsiteX0" fmla="*/ 0 w 4277884"/>
-              <a:gd name="connsiteY0" fmla="*/ 0 h 2583520"/>
-              <a:gd name="connsiteX1" fmla="*/ 4277884 w 4277884"/>
-              <a:gd name="connsiteY1" fmla="*/ 0 h 2583520"/>
-              <a:gd name="connsiteX2" fmla="*/ 4277884 w 4277884"/>
-              <a:gd name="connsiteY2" fmla="*/ 2583520 h 2583520"/>
-              <a:gd name="connsiteX3" fmla="*/ 1192437 w 4277884"/>
-              <a:gd name="connsiteY3" fmla="*/ 2583520 h 2583520"/>
-              <a:gd name="connsiteX4" fmla="*/ 1188085 w 4277884"/>
-              <a:gd name="connsiteY4" fmla="*/ 2574129 h 2583520"/>
-              <a:gd name="connsiteX5" fmla="*/ 1192715 w 4277884"/>
-              <a:gd name="connsiteY5" fmla="*/ 2574129 h 2583520"/>
-            </a:gdLst>
-            <a:ahLst/>
-            <a:cxnLst>
-              <a:cxn ang="0">
-                <a:pos x="connsiteX0" y="connsiteY0"/>
-              </a:cxn>
-              <a:cxn ang="0">
-                <a:pos x="connsiteX1" y="connsiteY1"/>
-              </a:cxn>
-              <a:cxn ang="0">
-                <a:pos x="connsiteX2" y="connsiteY2"/>
-              </a:cxn>
-              <a:cxn ang="0">
-                <a:pos x="connsiteX3" y="connsiteY3"/>
-              </a:cxn>
-              <a:cxn ang="0">
-                <a:pos x="connsiteX4" y="connsiteY4"/>
-              </a:cxn>
-              <a:cxn ang="0">
-                <a:pos x="connsiteX5" y="connsiteY5"/>
-              </a:cxn>
-            </a:cxnLst>
-            <a:rect l="l" t="t" r="r" b="b"/>
-            <a:pathLst>
-              <a:path w="4277884" h="2583520">
-                <a:moveTo>
-                  <a:pt x="0" y="0"/>
-                </a:moveTo>
-                <a:lnTo>
-                  <a:pt x="4277884" y="0"/>
-                </a:lnTo>
-                <a:lnTo>
-                  <a:pt x="4277884" y="2583520"/>
-                </a:lnTo>
-                <a:lnTo>
-                  <a:pt x="1192437" y="2583520"/>
-                </a:lnTo>
-                <a:lnTo>
-                  <a:pt x="1188085" y="2574129"/>
-                </a:lnTo>
-                <a:lnTo>
-                  <a:pt x="1192715" y="2574129"/>
-                </a:lnTo>
-                <a:close/>
-              </a:path>
-            </a:pathLst>
-          </a:custGeom>
-        </p:spPr>
-      </p:pic>
-      <p:sp>
-        <p:nvSpPr>
-          <p:cNvPr id="6" name="Rectangle 5">
-            <a:extLst>
-              <a:ext uri="{FF2B5EF4-FFF2-40B4-BE49-F238E27FC236}">
-                <a16:creationId xmlns:a16="http://schemas.microsoft.com/office/drawing/2014/main" id="{A2901312-C3C2-4CEC-80EF-823AB4FBB726}"/>
-              </a:ext>
-            </a:extLst>
-          </p:cNvPr>
-          <p:cNvSpPr/>
-          <p:nvPr/>
-        </p:nvSpPr>
-        <p:spPr>
-          <a:xfrm>
-            <a:off x="-1" y="1608918"/>
-            <a:ext cx="12191999" cy="91160"/>
-          </a:xfrm>
-          <a:prstGeom prst="rect">
-            <a:avLst/>
-          </a:prstGeom>
-          <a:solidFill>
-            <a:schemeClr val="bg1"/>
-          </a:solidFill>
-          <a:ln>
-            <a:noFill/>
-          </a:ln>
-        </p:spPr>
-        <p:style>
-          <a:lnRef idx="2">
-            <a:schemeClr val="accent1">
-              <a:shade val="50000"/>
-            </a:schemeClr>
-          </a:lnRef>
-          <a:fillRef idx="1">
-            <a:schemeClr val="accent1"/>
-          </a:fillRef>
-          <a:effectRef idx="0">
-            <a:schemeClr val="accent1"/>
-          </a:effectRef>
-          <a:fontRef idx="minor">
-            <a:schemeClr val="lt1"/>
-          </a:fontRef>
-        </p:style>
-        <p:txBody>
-          <a:bodyPr rtlCol="0" anchor="ctr"/>
-          <a:lstStyle/>
-          <a:p>
-            <a:pPr algn="ctr"/>
-            <a:endParaRPr lang="en-US">
-              <a:solidFill>
-                <a:srgbClr val="DB5B5C"/>
-              </a:solidFill>
-            </a:endParaRPr>
-          </a:p>
-        </p:txBody>
-      </p:sp>
-      <p:sp>
-        <p:nvSpPr>
-          <p:cNvPr id="15" name="Rectangle 14">
-            <a:extLst>
-              <a:ext uri="{FF2B5EF4-FFF2-40B4-BE49-F238E27FC236}">
-                <a16:creationId xmlns:a16="http://schemas.microsoft.com/office/drawing/2014/main" id="{AD0A7C9C-CA2C-4B9B-A125-2D09D5573B44}"/>
-              </a:ext>
-            </a:extLst>
-          </p:cNvPr>
-          <p:cNvSpPr/>
-          <p:nvPr/>
-        </p:nvSpPr>
-        <p:spPr>
-          <a:xfrm>
-            <a:off x="1" y="6677247"/>
-            <a:ext cx="12191999" cy="190143"/>
-          </a:xfrm>
-          <a:prstGeom prst="rect">
-            <a:avLst/>
-          </a:prstGeom>
-          <a:solidFill>
-            <a:schemeClr val="bg1"/>
-          </a:solidFill>
-          <a:ln>
-            <a:noFill/>
-          </a:ln>
-        </p:spPr>
-        <p:style>
-          <a:lnRef idx="2">
-            <a:schemeClr val="accent1">
-              <a:shade val="50000"/>
-            </a:schemeClr>
-          </a:lnRef>
-          <a:fillRef idx="1">
-            <a:schemeClr val="accent1"/>
-          </a:fillRef>
-          <a:effectRef idx="0">
-            <a:schemeClr val="accent1"/>
-          </a:effectRef>
-          <a:fontRef idx="minor">
-            <a:schemeClr val="lt1"/>
-          </a:fontRef>
-        </p:style>
-        <p:txBody>
-          <a:bodyPr rtlCol="0" anchor="ctr"/>
-          <a:lstStyle/>
-          <a:p>
-            <a:pPr algn="ctr"/>
-            <a:endParaRPr lang="en-US">
-              <a:solidFill>
-                <a:srgbClr val="DB5B5C"/>
-              </a:solidFill>
-            </a:endParaRPr>
-          </a:p>
-        </p:txBody>
-      </p:sp>
-      <p:sp>
-        <p:nvSpPr>
-          <p:cNvPr id="16" name="Rectangle 15">
-            <a:extLst>
-              <a:ext uri="{FF2B5EF4-FFF2-40B4-BE49-F238E27FC236}">
-                <a16:creationId xmlns:a16="http://schemas.microsoft.com/office/drawing/2014/main" id="{74A085FC-1866-46D4-97F7-51AA45E48D4F}"/>
-              </a:ext>
-            </a:extLst>
-          </p:cNvPr>
-          <p:cNvSpPr/>
-          <p:nvPr/>
-        </p:nvSpPr>
-        <p:spPr>
-          <a:xfrm rot="4092292">
-            <a:off x="5790668" y="4094517"/>
-            <a:ext cx="5446699" cy="137038"/>
-          </a:xfrm>
-          <a:prstGeom prst="rect">
-            <a:avLst/>
-          </a:prstGeom>
-          <a:solidFill>
-            <a:schemeClr val="bg1"/>
-          </a:solidFill>
-          <a:ln>
-            <a:noFill/>
-          </a:ln>
-        </p:spPr>
-        <p:style>
-          <a:lnRef idx="2">
-            <a:schemeClr val="accent1">
-              <a:shade val="50000"/>
-            </a:schemeClr>
-          </a:lnRef>
-          <a:fillRef idx="1">
-            <a:schemeClr val="accent1"/>
-          </a:fillRef>
-          <a:effectRef idx="0">
-            <a:schemeClr val="accent1"/>
-          </a:effectRef>
-          <a:fontRef idx="minor">
-            <a:schemeClr val="lt1"/>
-          </a:fontRef>
-        </p:style>
-        <p:txBody>
-          <a:bodyPr rtlCol="0" anchor="ctr"/>
-          <a:lstStyle/>
-          <a:p>
-            <a:pPr algn="ctr"/>
-            <a:endParaRPr lang="en-US">
-              <a:solidFill>
-                <a:srgbClr val="DB5B5C"/>
-              </a:solidFill>
-            </a:endParaRPr>
-          </a:p>
-        </p:txBody>
-      </p:sp>
-    </p:spTree>
-    <p:extLst>
-      <p:ext uri="{BB962C8B-B14F-4D97-AF65-F5344CB8AC3E}">
-        <p14:creationId xmlns:p14="http://schemas.microsoft.com/office/powerpoint/2010/main" val="1770409084"/>
-      </p:ext>
-    </p:extLst>
-  </p:cSld>
-  <p:clrMapOvr>
-    <a:overrideClrMapping bg1="dk1" tx1="lt1" bg2="dk2" tx2="lt2" accent1="accent1" accent2="accent2" accent3="accent3" accent4="accent4" accent5="accent5" accent6="accent6" hlink="hlink" folHlink="folHlink"/>
-  </p:clrMapOvr>
-</p:sld>
-</file>
-
-<file path=ppt/slides/slide15.xml><?xml version="1.0" encoding="utf-8"?>
-<p:sld xmlns:a="http://schemas.openxmlformats.org/drawingml/2006/main" xmlns:r="http://schemas.openxmlformats.org/officeDocument/2006/relationships" xmlns:p="http://schemas.openxmlformats.org/presentationml/2006/main">
-  <p:cSld>
-    <p:bg>
-      <p:bgPr>
-        <a:solidFill>
-          <a:srgbClr val="395583"/>
-        </a:solidFill>
-        <a:effectLst/>
-      </p:bgPr>
-    </p:bg>
-    <p:spTree>
-      <p:nvGrpSpPr>
-        <p:cNvPr id="1" name=""/>
-        <p:cNvGrpSpPr/>
-        <p:nvPr/>
-      </p:nvGrpSpPr>
-      <p:grpSpPr>
-        <a:xfrm>
-          <a:off x="0" y="0"/>
-          <a:ext cx="0" cy="0"/>
-          <a:chOff x="0" y="0"/>
-          <a:chExt cx="0" cy="0"/>
-        </a:xfrm>
-      </p:grpSpPr>
-      <p:sp>
-        <p:nvSpPr>
-          <p:cNvPr id="25" name="Rectangle 24">
-            <a:extLst>
-              <a:ext uri="{FF2B5EF4-FFF2-40B4-BE49-F238E27FC236}">
-                <a16:creationId xmlns:a16="http://schemas.microsoft.com/office/drawing/2014/main" id="{A6792F05-2FD4-4F18-815E-15391E8B4A0E}"/>
-              </a:ext>
-              <a:ext uri="{C183D7F6-B498-43B3-948B-1728B52AA6E4}">
-                <adec:decorative xmlns:adec="http://schemas.microsoft.com/office/drawing/2017/decorative" val="1"/>
-              </a:ext>
-            </a:extLst>
-          </p:cNvPr>
-          <p:cNvSpPr>
-            <a:spLocks noGrp="1" noRot="1" noChangeAspect="1" noMove="1" noResize="1" noEditPoints="1" noAdjustHandles="1" noChangeArrowheads="1" noChangeShapeType="1" noTextEdit="1"/>
-          </p:cNvSpPr>
-          <p:nvPr>
-            <p:extLst>
-              <p:ext uri="{386F3935-93C4-4BCD-93E2-E3B085C9AB24}">
-                <p16:designElem xmlns:p16="http://schemas.microsoft.com/office/powerpoint/2015/main" val="1"/>
-              </p:ext>
-            </p:extLst>
-          </p:nvPr>
-        </p:nvSpPr>
-        <p:spPr>
-          <a:xfrm>
-            <a:off x="0" y="0"/>
-            <a:ext cx="12191999" cy="6858000"/>
-          </a:xfrm>
-          <a:prstGeom prst="rect">
-            <a:avLst/>
-          </a:prstGeom>
-          <a:solidFill>
-            <a:srgbClr val="395583"/>
-          </a:solidFill>
-          <a:ln>
-            <a:noFill/>
-          </a:ln>
-        </p:spPr>
-        <p:style>
-          <a:lnRef idx="2">
-            <a:schemeClr val="accent1">
-              <a:shade val="50000"/>
-            </a:schemeClr>
-          </a:lnRef>
-          <a:fillRef idx="1">
-            <a:schemeClr val="accent1"/>
-          </a:fillRef>
-          <a:effectRef idx="0">
-            <a:schemeClr val="accent1"/>
-          </a:effectRef>
-          <a:fontRef idx="minor">
-            <a:schemeClr val="lt1"/>
-          </a:fontRef>
-        </p:style>
-        <p:txBody>
-          <a:bodyPr rtlCol="0" anchor="ctr"/>
-          <a:lstStyle/>
-          <a:p>
-            <a:pPr algn="ctr"/>
-            <a:endParaRPr lang="en-US"/>
-          </a:p>
-        </p:txBody>
-      </p:sp>
-      <p:sp>
-        <p:nvSpPr>
-          <p:cNvPr id="2" name="Title 1">
-            <a:extLst>
-              <a:ext uri="{FF2B5EF4-FFF2-40B4-BE49-F238E27FC236}">
-                <a16:creationId xmlns:a16="http://schemas.microsoft.com/office/drawing/2014/main" id="{2589AFCC-0FF0-498C-B11F-8990DF0DAAA5}"/>
-              </a:ext>
-            </a:extLst>
-          </p:cNvPr>
-          <p:cNvSpPr>
-            <a:spLocks noGrp="1"/>
-          </p:cNvSpPr>
-          <p:nvPr>
-            <p:ph type="title"/>
-          </p:nvPr>
-        </p:nvSpPr>
-        <p:spPr>
-          <a:xfrm>
-            <a:off x="838200" y="365125"/>
-            <a:ext cx="10515600" cy="1325563"/>
-          </a:xfrm>
-        </p:spPr>
-        <p:txBody>
-          <a:bodyPr>
-            <a:normAutofit/>
-          </a:bodyPr>
-          <a:lstStyle/>
-          <a:p>
-            <a:r>
-              <a:rPr lang="en-US" b="1" dirty="0">
-                <a:latin typeface="Selawik Semibold" panose="020B0604020202020204" pitchFamily="34" charset="0"/>
-              </a:rPr>
-              <a:t>Analytics Across the Organizations</a:t>
-            </a:r>
-          </a:p>
-        </p:txBody>
-      </p:sp>
-      <p:sp>
-        <p:nvSpPr>
-          <p:cNvPr id="9" name="Content Placeholder 8">
-            <a:extLst>
-              <a:ext uri="{FF2B5EF4-FFF2-40B4-BE49-F238E27FC236}">
-                <a16:creationId xmlns:a16="http://schemas.microsoft.com/office/drawing/2014/main" id="{2D995594-59F2-4020-AB6F-751BAE84ADB3}"/>
-              </a:ext>
-            </a:extLst>
-          </p:cNvPr>
-          <p:cNvSpPr>
-            <a:spLocks noGrp="1"/>
-          </p:cNvSpPr>
-          <p:nvPr>
-            <p:ph idx="1"/>
-          </p:nvPr>
-        </p:nvSpPr>
-        <p:spPr>
-          <a:xfrm>
-            <a:off x="838200" y="2021249"/>
-            <a:ext cx="6994712" cy="4155713"/>
-          </a:xfrm>
-        </p:spPr>
-        <p:txBody>
-          <a:bodyPr>
-            <a:normAutofit/>
-          </a:bodyPr>
-          <a:lstStyle/>
-          <a:p>
-            <a:r>
-              <a:rPr lang="en-US" sz="2400" dirty="0">
-                <a:latin typeface="Selawik Semibold" panose="020B0702040204020203" pitchFamily="34" charset="0"/>
-              </a:rPr>
-              <a:t>How Much Data is Centralized?</a:t>
-            </a:r>
-          </a:p>
-          <a:p>
-            <a:pPr lvl="1"/>
-            <a:r>
-              <a:rPr lang="en-US" sz="2000" dirty="0">
-                <a:latin typeface="Selawik Semibold" panose="020B0702040204020203" pitchFamily="34" charset="0"/>
-              </a:rPr>
-              <a:t>All (31.3%)</a:t>
-            </a:r>
-          </a:p>
-          <a:p>
-            <a:pPr lvl="1"/>
-            <a:r>
-              <a:rPr lang="en-US" sz="2000" dirty="0">
-                <a:latin typeface="Selawik Semibold" panose="020B0702040204020203" pitchFamily="34" charset="0"/>
-              </a:rPr>
-              <a:t>Most (37.4%)</a:t>
-            </a:r>
-          </a:p>
-          <a:p>
-            <a:pPr lvl="1"/>
-            <a:r>
-              <a:rPr lang="en-US" sz="2000" dirty="0">
-                <a:latin typeface="Selawik Semibold" panose="020B0702040204020203" pitchFamily="34" charset="0"/>
-              </a:rPr>
-              <a:t>Some (31.3%)</a:t>
-            </a:r>
-          </a:p>
-          <a:p>
-            <a:pPr lvl="1"/>
-            <a:endParaRPr lang="en-US" sz="2000" dirty="0">
-              <a:latin typeface="Selawik Semibold" panose="020B0702040204020203" pitchFamily="34" charset="0"/>
-            </a:endParaRPr>
-          </a:p>
-          <a:p>
-            <a:r>
-              <a:rPr lang="en-US" sz="2400" dirty="0">
-                <a:latin typeface="Selawik Semibold" panose="020B0702040204020203" pitchFamily="34" charset="0"/>
-              </a:rPr>
-              <a:t>How Much Data is Dependent on One Person?</a:t>
-            </a:r>
-          </a:p>
-          <a:p>
-            <a:pPr lvl="1"/>
-            <a:r>
-              <a:rPr lang="en-US" sz="2000" dirty="0">
-                <a:latin typeface="Selawik Semibold" panose="020B0702040204020203" pitchFamily="34" charset="0"/>
-              </a:rPr>
-              <a:t>Some (50.0%)</a:t>
-            </a:r>
-          </a:p>
-          <a:p>
-            <a:pPr lvl="1"/>
-            <a:r>
-              <a:rPr lang="en-US" sz="2000" dirty="0">
-                <a:latin typeface="Selawik Semibold" panose="020B0702040204020203" pitchFamily="34" charset="0"/>
-              </a:rPr>
-              <a:t>Most (43.7%)</a:t>
-            </a:r>
-          </a:p>
-          <a:p>
-            <a:pPr lvl="1"/>
-            <a:r>
-              <a:rPr lang="en-US" sz="2000" dirty="0">
-                <a:latin typeface="Selawik Semibold" panose="020B0702040204020203" pitchFamily="34" charset="0"/>
-              </a:rPr>
-              <a:t>All Data Centralized (6.3%)</a:t>
-            </a:r>
-          </a:p>
-        </p:txBody>
-      </p:sp>
-      <p:pic>
-        <p:nvPicPr>
-          <p:cNvPr id="4" name="Picture 3" descr="A drawing of a cartoon character&#10;&#10;Description automatically generated">
-            <a:extLst>
-              <a:ext uri="{FF2B5EF4-FFF2-40B4-BE49-F238E27FC236}">
-                <a16:creationId xmlns:a16="http://schemas.microsoft.com/office/drawing/2014/main" id="{A7FDC859-D890-4904-9C64-27F43DA90453}"/>
-              </a:ext>
-            </a:extLst>
-          </p:cNvPr>
-          <p:cNvPicPr>
-            <a:picLocks noChangeAspect="1"/>
-          </p:cNvPicPr>
-          <p:nvPr/>
-        </p:nvPicPr>
-        <p:blipFill rotWithShape="1">
-          <a:blip r:embed="rId2">
-            <a:extLst>
-              <a:ext uri="{28A0092B-C50C-407E-A947-70E740481C1C}">
-                <a14:useLocalDpi xmlns:a14="http://schemas.microsoft.com/office/drawing/2010/main" val="0"/>
-              </a:ext>
-            </a:extLst>
-          </a:blip>
-          <a:srcRect t="5616" r="2" b="2"/>
-          <a:stretch/>
-        </p:blipFill>
-        <p:spPr>
-          <a:xfrm>
-            <a:off x="7471144" y="1700078"/>
-            <a:ext cx="4720855" cy="2583792"/>
-          </a:xfrm>
-          <a:custGeom>
-            <a:avLst/>
-            <a:gdLst>
-              <a:gd name="connsiteX0" fmla="*/ 0 w 5475077"/>
-              <a:gd name="connsiteY0" fmla="*/ 0 h 2583792"/>
-              <a:gd name="connsiteX1" fmla="*/ 5475077 w 5475077"/>
-              <a:gd name="connsiteY1" fmla="*/ 0 h 2583792"/>
-              <a:gd name="connsiteX2" fmla="*/ 5475077 w 5475077"/>
-              <a:gd name="connsiteY2" fmla="*/ 2583792 h 2583792"/>
-              <a:gd name="connsiteX3" fmla="*/ 1197192 w 5475077"/>
-              <a:gd name="connsiteY3" fmla="*/ 2583792 h 2583792"/>
-            </a:gdLst>
-            <a:ahLst/>
-            <a:cxnLst>
-              <a:cxn ang="0">
-                <a:pos x="connsiteX0" y="connsiteY0"/>
-              </a:cxn>
-              <a:cxn ang="0">
-                <a:pos x="connsiteX1" y="connsiteY1"/>
-              </a:cxn>
-              <a:cxn ang="0">
-                <a:pos x="connsiteX2" y="connsiteY2"/>
-              </a:cxn>
-              <a:cxn ang="0">
-                <a:pos x="connsiteX3" y="connsiteY3"/>
-              </a:cxn>
-            </a:cxnLst>
-            <a:rect l="l" t="t" r="r" b="b"/>
-            <a:pathLst>
-              <a:path w="5475077" h="2583792">
-                <a:moveTo>
-                  <a:pt x="0" y="0"/>
-                </a:moveTo>
-                <a:lnTo>
-                  <a:pt x="5475077" y="0"/>
-                </a:lnTo>
-                <a:lnTo>
-                  <a:pt x="5475077" y="2583792"/>
-                </a:lnTo>
-                <a:lnTo>
-                  <a:pt x="1197192" y="2583792"/>
-                </a:lnTo>
-                <a:close/>
-              </a:path>
-            </a:pathLst>
-          </a:custGeom>
-        </p:spPr>
-      </p:pic>
-      <p:pic>
-        <p:nvPicPr>
-          <p:cNvPr id="5" name="Content Placeholder 4" descr="A picture containing indoor&#10;&#10;Description automatically generated">
-            <a:extLst>
-              <a:ext uri="{FF2B5EF4-FFF2-40B4-BE49-F238E27FC236}">
-                <a16:creationId xmlns:a16="http://schemas.microsoft.com/office/drawing/2014/main" id="{A58F0E55-21F3-485B-A07F-1CE74177BDD2}"/>
-              </a:ext>
-            </a:extLst>
-          </p:cNvPr>
-          <p:cNvPicPr>
-            <a:picLocks noChangeAspect="1"/>
-          </p:cNvPicPr>
-          <p:nvPr/>
-        </p:nvPicPr>
-        <p:blipFill rotWithShape="1">
-          <a:blip r:embed="rId3">
-            <a:extLst>
-              <a:ext uri="{28A0092B-C50C-407E-A947-70E740481C1C}">
-                <a14:useLocalDpi xmlns:a14="http://schemas.microsoft.com/office/drawing/2010/main" val="0"/>
-              </a:ext>
-            </a:extLst>
-          </a:blip>
-          <a:srcRect t="5300" r="3" b="6859"/>
-          <a:stretch/>
-        </p:blipFill>
-        <p:spPr>
-          <a:xfrm>
-            <a:off x="8491869" y="4283870"/>
-            <a:ext cx="3700129" cy="2583520"/>
-          </a:xfrm>
-          <a:custGeom>
-            <a:avLst/>
-            <a:gdLst>
-              <a:gd name="connsiteX0" fmla="*/ 0 w 4277884"/>
-              <a:gd name="connsiteY0" fmla="*/ 0 h 2583520"/>
-              <a:gd name="connsiteX1" fmla="*/ 4277884 w 4277884"/>
-              <a:gd name="connsiteY1" fmla="*/ 0 h 2583520"/>
-              <a:gd name="connsiteX2" fmla="*/ 4277884 w 4277884"/>
-              <a:gd name="connsiteY2" fmla="*/ 2583520 h 2583520"/>
-              <a:gd name="connsiteX3" fmla="*/ 1192437 w 4277884"/>
-              <a:gd name="connsiteY3" fmla="*/ 2583520 h 2583520"/>
-              <a:gd name="connsiteX4" fmla="*/ 1188085 w 4277884"/>
-              <a:gd name="connsiteY4" fmla="*/ 2574129 h 2583520"/>
-              <a:gd name="connsiteX5" fmla="*/ 1192715 w 4277884"/>
-              <a:gd name="connsiteY5" fmla="*/ 2574129 h 2583520"/>
-            </a:gdLst>
-            <a:ahLst/>
-            <a:cxnLst>
-              <a:cxn ang="0">
-                <a:pos x="connsiteX0" y="connsiteY0"/>
-              </a:cxn>
-              <a:cxn ang="0">
-                <a:pos x="connsiteX1" y="connsiteY1"/>
-              </a:cxn>
-              <a:cxn ang="0">
-                <a:pos x="connsiteX2" y="connsiteY2"/>
-              </a:cxn>
-              <a:cxn ang="0">
-                <a:pos x="connsiteX3" y="connsiteY3"/>
-              </a:cxn>
-              <a:cxn ang="0">
-                <a:pos x="connsiteX4" y="connsiteY4"/>
-              </a:cxn>
-              <a:cxn ang="0">
-                <a:pos x="connsiteX5" y="connsiteY5"/>
-              </a:cxn>
-            </a:cxnLst>
-            <a:rect l="l" t="t" r="r" b="b"/>
-            <a:pathLst>
-              <a:path w="4277884" h="2583520">
-                <a:moveTo>
-                  <a:pt x="0" y="0"/>
-                </a:moveTo>
-                <a:lnTo>
-                  <a:pt x="4277884" y="0"/>
-                </a:lnTo>
-                <a:lnTo>
-                  <a:pt x="4277884" y="2583520"/>
-                </a:lnTo>
-                <a:lnTo>
-                  <a:pt x="1192437" y="2583520"/>
-                </a:lnTo>
-                <a:lnTo>
-                  <a:pt x="1188085" y="2574129"/>
-                </a:lnTo>
-                <a:lnTo>
-                  <a:pt x="1192715" y="2574129"/>
-                </a:lnTo>
-                <a:close/>
-              </a:path>
-            </a:pathLst>
-          </a:custGeom>
-        </p:spPr>
-      </p:pic>
-      <p:sp>
-        <p:nvSpPr>
-          <p:cNvPr id="6" name="Rectangle 5">
-            <a:extLst>
-              <a:ext uri="{FF2B5EF4-FFF2-40B4-BE49-F238E27FC236}">
-                <a16:creationId xmlns:a16="http://schemas.microsoft.com/office/drawing/2014/main" id="{A2901312-C3C2-4CEC-80EF-823AB4FBB726}"/>
-              </a:ext>
-            </a:extLst>
-          </p:cNvPr>
-          <p:cNvSpPr/>
-          <p:nvPr/>
-        </p:nvSpPr>
-        <p:spPr>
-          <a:xfrm>
-            <a:off x="-1" y="1608918"/>
-            <a:ext cx="12191999" cy="91160"/>
-          </a:xfrm>
-          <a:prstGeom prst="rect">
-            <a:avLst/>
-          </a:prstGeom>
-          <a:solidFill>
-            <a:schemeClr val="bg1"/>
-          </a:solidFill>
-          <a:ln>
-            <a:noFill/>
-          </a:ln>
-        </p:spPr>
-        <p:style>
-          <a:lnRef idx="2">
-            <a:schemeClr val="accent1">
-              <a:shade val="50000"/>
-            </a:schemeClr>
-          </a:lnRef>
-          <a:fillRef idx="1">
-            <a:schemeClr val="accent1"/>
-          </a:fillRef>
-          <a:effectRef idx="0">
-            <a:schemeClr val="accent1"/>
-          </a:effectRef>
-          <a:fontRef idx="minor">
-            <a:schemeClr val="lt1"/>
-          </a:fontRef>
-        </p:style>
-        <p:txBody>
-          <a:bodyPr rtlCol="0" anchor="ctr"/>
-          <a:lstStyle/>
-          <a:p>
-            <a:pPr algn="ctr"/>
-            <a:endParaRPr lang="en-US">
-              <a:solidFill>
-                <a:srgbClr val="DB5B5C"/>
-              </a:solidFill>
-            </a:endParaRPr>
-          </a:p>
-        </p:txBody>
-      </p:sp>
-      <p:sp>
-        <p:nvSpPr>
-          <p:cNvPr id="15" name="Rectangle 14">
-            <a:extLst>
-              <a:ext uri="{FF2B5EF4-FFF2-40B4-BE49-F238E27FC236}">
-                <a16:creationId xmlns:a16="http://schemas.microsoft.com/office/drawing/2014/main" id="{AD0A7C9C-CA2C-4B9B-A125-2D09D5573B44}"/>
-              </a:ext>
-            </a:extLst>
-          </p:cNvPr>
-          <p:cNvSpPr/>
-          <p:nvPr/>
-        </p:nvSpPr>
-        <p:spPr>
-          <a:xfrm>
-            <a:off x="1" y="6677247"/>
-            <a:ext cx="12191999" cy="190143"/>
-          </a:xfrm>
-          <a:prstGeom prst="rect">
-            <a:avLst/>
-          </a:prstGeom>
-          <a:solidFill>
-            <a:schemeClr val="bg1"/>
-          </a:solidFill>
-          <a:ln>
-            <a:noFill/>
-          </a:ln>
-        </p:spPr>
-        <p:style>
-          <a:lnRef idx="2">
-            <a:schemeClr val="accent1">
-              <a:shade val="50000"/>
-            </a:schemeClr>
-          </a:lnRef>
-          <a:fillRef idx="1">
-            <a:schemeClr val="accent1"/>
-          </a:fillRef>
-          <a:effectRef idx="0">
-            <a:schemeClr val="accent1"/>
-          </a:effectRef>
-          <a:fontRef idx="minor">
-            <a:schemeClr val="lt1"/>
-          </a:fontRef>
-        </p:style>
-        <p:txBody>
-          <a:bodyPr rtlCol="0" anchor="ctr"/>
-          <a:lstStyle/>
-          <a:p>
-            <a:pPr algn="ctr"/>
-            <a:endParaRPr lang="en-US">
-              <a:solidFill>
-                <a:srgbClr val="DB5B5C"/>
-              </a:solidFill>
-            </a:endParaRPr>
-          </a:p>
-        </p:txBody>
-      </p:sp>
-      <p:sp>
-        <p:nvSpPr>
-          <p:cNvPr id="16" name="Rectangle 15">
-            <a:extLst>
-              <a:ext uri="{FF2B5EF4-FFF2-40B4-BE49-F238E27FC236}">
-                <a16:creationId xmlns:a16="http://schemas.microsoft.com/office/drawing/2014/main" id="{74A085FC-1866-46D4-97F7-51AA45E48D4F}"/>
-              </a:ext>
-            </a:extLst>
-          </p:cNvPr>
-          <p:cNvSpPr/>
-          <p:nvPr/>
-        </p:nvSpPr>
-        <p:spPr>
-          <a:xfrm rot="4092292">
-            <a:off x="5790668" y="4094517"/>
-            <a:ext cx="5446699" cy="137038"/>
-          </a:xfrm>
-          <a:prstGeom prst="rect">
-            <a:avLst/>
-          </a:prstGeom>
-          <a:solidFill>
-            <a:schemeClr val="bg1"/>
-          </a:solidFill>
-          <a:ln>
-            <a:noFill/>
-          </a:ln>
-        </p:spPr>
-        <p:style>
-          <a:lnRef idx="2">
-            <a:schemeClr val="accent1">
-              <a:shade val="50000"/>
-            </a:schemeClr>
-          </a:lnRef>
-          <a:fillRef idx="1">
-            <a:schemeClr val="accent1"/>
-          </a:fillRef>
-          <a:effectRef idx="0">
-            <a:schemeClr val="accent1"/>
-          </a:effectRef>
-          <a:fontRef idx="minor">
-            <a:schemeClr val="lt1"/>
-          </a:fontRef>
-        </p:style>
-        <p:txBody>
-          <a:bodyPr rtlCol="0" anchor="ctr"/>
-          <a:lstStyle/>
-          <a:p>
-            <a:pPr algn="ctr"/>
-            <a:endParaRPr lang="en-US">
-              <a:solidFill>
-                <a:srgbClr val="DB5B5C"/>
-              </a:solidFill>
-            </a:endParaRPr>
-          </a:p>
-        </p:txBody>
-      </p:sp>
-    </p:spTree>
-    <p:extLst>
-      <p:ext uri="{BB962C8B-B14F-4D97-AF65-F5344CB8AC3E}">
-        <p14:creationId xmlns:p14="http://schemas.microsoft.com/office/powerpoint/2010/main" val="2318904332"/>
-      </p:ext>
-    </p:extLst>
-  </p:cSld>
-  <p:clrMapOvr>
-    <a:overrideClrMapping bg1="dk1" tx1="lt1" bg2="dk2" tx2="lt2" accent1="accent1" accent2="accent2" accent3="accent3" accent4="accent4" accent5="accent5" accent6="accent6" hlink="hlink" folHlink="folHlink"/>
-  </p:clrMapOvr>
-</p:sld>
-</file>
-
-<file path=ppt/slides/slide16.xml><?xml version="1.0" encoding="utf-8"?>
-<p:sld xmlns:a="http://schemas.openxmlformats.org/drawingml/2006/main" xmlns:r="http://schemas.openxmlformats.org/officeDocument/2006/relationships" xmlns:p="http://schemas.openxmlformats.org/presentationml/2006/main">
-  <p:cSld>
-    <p:bg>
-      <p:bgPr>
-        <a:solidFill>
-          <a:srgbClr val="395583"/>
-        </a:solidFill>
-        <a:effectLst/>
-      </p:bgPr>
-    </p:bg>
-    <p:spTree>
-      <p:nvGrpSpPr>
-        <p:cNvPr id="1" name=""/>
-        <p:cNvGrpSpPr/>
-        <p:nvPr/>
-      </p:nvGrpSpPr>
-      <p:grpSpPr>
-        <a:xfrm>
-          <a:off x="0" y="0"/>
-          <a:ext cx="0" cy="0"/>
-          <a:chOff x="0" y="0"/>
-          <a:chExt cx="0" cy="0"/>
-        </a:xfrm>
-      </p:grpSpPr>
-      <p:sp>
-        <p:nvSpPr>
-          <p:cNvPr id="25" name="Rectangle 24">
-            <a:extLst>
-              <a:ext uri="{FF2B5EF4-FFF2-40B4-BE49-F238E27FC236}">
-                <a16:creationId xmlns:a16="http://schemas.microsoft.com/office/drawing/2014/main" id="{A6792F05-2FD4-4F18-815E-15391E8B4A0E}"/>
-              </a:ext>
-              <a:ext uri="{C183D7F6-B498-43B3-948B-1728B52AA6E4}">
-                <adec:decorative xmlns:adec="http://schemas.microsoft.com/office/drawing/2017/decorative" val="1"/>
-              </a:ext>
-            </a:extLst>
-          </p:cNvPr>
-          <p:cNvSpPr>
-            <a:spLocks noGrp="1" noRot="1" noChangeAspect="1" noMove="1" noResize="1" noEditPoints="1" noAdjustHandles="1" noChangeArrowheads="1" noChangeShapeType="1" noTextEdit="1"/>
-          </p:cNvSpPr>
-          <p:nvPr>
-            <p:extLst>
-              <p:ext uri="{386F3935-93C4-4BCD-93E2-E3B085C9AB24}">
-                <p16:designElem xmlns:p16="http://schemas.microsoft.com/office/powerpoint/2015/main" val="1"/>
-              </p:ext>
-            </p:extLst>
-          </p:nvPr>
-        </p:nvSpPr>
-        <p:spPr>
-          <a:xfrm>
-            <a:off x="0" y="0"/>
-            <a:ext cx="12191999" cy="6858000"/>
-          </a:xfrm>
-          <a:prstGeom prst="rect">
-            <a:avLst/>
-          </a:prstGeom>
-          <a:solidFill>
-            <a:srgbClr val="395583"/>
-          </a:solidFill>
-          <a:ln>
-            <a:noFill/>
-          </a:ln>
-        </p:spPr>
-        <p:style>
-          <a:lnRef idx="2">
-            <a:schemeClr val="accent1">
-              <a:shade val="50000"/>
-            </a:schemeClr>
-          </a:lnRef>
-          <a:fillRef idx="1">
-            <a:schemeClr val="accent1"/>
-          </a:fillRef>
-          <a:effectRef idx="0">
-            <a:schemeClr val="accent1"/>
-          </a:effectRef>
-          <a:fontRef idx="minor">
-            <a:schemeClr val="lt1"/>
-          </a:fontRef>
-        </p:style>
-        <p:txBody>
-          <a:bodyPr rtlCol="0" anchor="ctr"/>
-          <a:lstStyle/>
-          <a:p>
-            <a:pPr algn="ctr"/>
-            <a:endParaRPr lang="en-US"/>
-          </a:p>
-        </p:txBody>
-      </p:sp>
-      <p:sp>
-        <p:nvSpPr>
-          <p:cNvPr id="2" name="Title 1">
-            <a:extLst>
-              <a:ext uri="{FF2B5EF4-FFF2-40B4-BE49-F238E27FC236}">
-                <a16:creationId xmlns:a16="http://schemas.microsoft.com/office/drawing/2014/main" id="{2589AFCC-0FF0-498C-B11F-8990DF0DAAA5}"/>
-              </a:ext>
-            </a:extLst>
-          </p:cNvPr>
-          <p:cNvSpPr>
-            <a:spLocks noGrp="1"/>
-          </p:cNvSpPr>
-          <p:nvPr>
-            <p:ph type="title"/>
-          </p:nvPr>
-        </p:nvSpPr>
-        <p:spPr>
-          <a:xfrm>
-            <a:off x="838200" y="365125"/>
-            <a:ext cx="10515600" cy="1325563"/>
-          </a:xfrm>
-        </p:spPr>
-        <p:txBody>
-          <a:bodyPr>
-            <a:normAutofit/>
-          </a:bodyPr>
-          <a:lstStyle/>
-          <a:p>
-            <a:r>
-              <a:rPr lang="en-US" b="1" dirty="0">
-                <a:latin typeface="Selawik Semibold" panose="020B0604020202020204" pitchFamily="34" charset="0"/>
-              </a:rPr>
-              <a:t>Analytics Across the Organizations</a:t>
-            </a:r>
-          </a:p>
-        </p:txBody>
-      </p:sp>
-      <p:sp>
-        <p:nvSpPr>
-          <p:cNvPr id="9" name="Content Placeholder 8">
-            <a:extLst>
-              <a:ext uri="{FF2B5EF4-FFF2-40B4-BE49-F238E27FC236}">
-                <a16:creationId xmlns:a16="http://schemas.microsoft.com/office/drawing/2014/main" id="{2D995594-59F2-4020-AB6F-751BAE84ADB3}"/>
-              </a:ext>
-            </a:extLst>
-          </p:cNvPr>
-          <p:cNvSpPr>
-            <a:spLocks noGrp="1"/>
-          </p:cNvSpPr>
-          <p:nvPr>
-            <p:ph idx="1"/>
-          </p:nvPr>
-        </p:nvSpPr>
-        <p:spPr>
-          <a:xfrm>
-            <a:off x="838199" y="2021249"/>
-            <a:ext cx="7653667" cy="4366104"/>
-          </a:xfrm>
-        </p:spPr>
-        <p:txBody>
-          <a:bodyPr>
-            <a:normAutofit/>
-          </a:bodyPr>
-          <a:lstStyle/>
-          <a:p>
-            <a:r>
-              <a:rPr lang="en-US" sz="2400" dirty="0">
-                <a:latin typeface="Selawik Semibold" panose="020B0702040204020203" pitchFamily="34" charset="0"/>
-              </a:rPr>
-              <a:t>Is Data Checked for Errors?</a:t>
-            </a:r>
-          </a:p>
-          <a:p>
-            <a:pPr lvl="1"/>
-            <a:r>
-              <a:rPr lang="en-US" sz="2000" dirty="0">
-                <a:latin typeface="Selawik Semibold" panose="020B0702040204020203" pitchFamily="34" charset="0"/>
-              </a:rPr>
-              <a:t>Always (31.3%)</a:t>
-            </a:r>
-          </a:p>
-          <a:p>
-            <a:pPr lvl="1"/>
-            <a:r>
-              <a:rPr lang="en-US" sz="2000" dirty="0">
-                <a:latin typeface="Selawik Semibold" panose="020B0702040204020203" pitchFamily="34" charset="0"/>
-              </a:rPr>
-              <a:t>Usually (37.5%)</a:t>
-            </a:r>
-          </a:p>
-          <a:p>
-            <a:pPr lvl="1"/>
-            <a:r>
-              <a:rPr lang="en-US" sz="2000" dirty="0">
-                <a:latin typeface="Selawik Semibold" panose="020B0702040204020203" pitchFamily="34" charset="0"/>
-              </a:rPr>
-              <a:t>Sometimes (18.8%)</a:t>
-            </a:r>
-          </a:p>
-          <a:p>
-            <a:pPr lvl="1"/>
-            <a:r>
-              <a:rPr lang="en-US" sz="2000" dirty="0">
-                <a:latin typeface="Selawik Semibold" panose="020B0702040204020203" pitchFamily="34" charset="0"/>
-              </a:rPr>
-              <a:t>Occasionally (6.1%)</a:t>
-            </a:r>
-          </a:p>
-          <a:p>
-            <a:pPr lvl="1"/>
-            <a:r>
-              <a:rPr lang="en-US" sz="2000" dirty="0">
-                <a:latin typeface="Selawik Semibold" panose="020B0702040204020203" pitchFamily="34" charset="0"/>
-              </a:rPr>
-              <a:t>Rarely (6.3%)</a:t>
-            </a:r>
-          </a:p>
-          <a:p>
-            <a:pPr lvl="1"/>
-            <a:endParaRPr lang="en-US" sz="2000" dirty="0">
-              <a:latin typeface="Selawik Semibold" panose="020B0702040204020203" pitchFamily="34" charset="0"/>
-            </a:endParaRPr>
-          </a:p>
-          <a:p>
-            <a:r>
-              <a:rPr lang="en-US" sz="2400" dirty="0">
-                <a:latin typeface="Selawik Semibold" panose="020B0702040204020203" pitchFamily="34" charset="0"/>
-              </a:rPr>
-              <a:t>How Many Database Programmers are Employed?</a:t>
-            </a:r>
-          </a:p>
-          <a:p>
-            <a:pPr lvl="1"/>
-            <a:r>
-              <a:rPr lang="en-US" sz="2000" dirty="0">
-                <a:latin typeface="Selawik Semibold" panose="020B0702040204020203" pitchFamily="34" charset="0"/>
-              </a:rPr>
-              <a:t>0 (37.5%)</a:t>
-            </a:r>
-          </a:p>
-          <a:p>
-            <a:pPr lvl="1"/>
-            <a:r>
-              <a:rPr lang="en-US" sz="2000" dirty="0">
-                <a:latin typeface="Selawik Semibold" panose="020B0702040204020203" pitchFamily="34" charset="0"/>
-              </a:rPr>
-              <a:t>1-2 (50.0%)</a:t>
-            </a:r>
-          </a:p>
-          <a:p>
-            <a:pPr lvl="1"/>
-            <a:r>
-              <a:rPr lang="en-US" sz="2000" dirty="0">
-                <a:latin typeface="Selawik Semibold" panose="020B0702040204020203" pitchFamily="34" charset="0"/>
-              </a:rPr>
-              <a:t>3-4 (0.0%)</a:t>
-            </a:r>
-          </a:p>
-          <a:p>
-            <a:pPr lvl="1"/>
-            <a:r>
-              <a:rPr lang="en-US" sz="2000" dirty="0">
-                <a:latin typeface="Selawik Semibold" panose="020B0702040204020203" pitchFamily="34" charset="0"/>
-              </a:rPr>
-              <a:t>&gt;5 (12.5%)</a:t>
-            </a:r>
-          </a:p>
-        </p:txBody>
-      </p:sp>
-      <p:pic>
-        <p:nvPicPr>
-          <p:cNvPr id="4" name="Picture 3" descr="A drawing of a cartoon character&#10;&#10;Description automatically generated">
-            <a:extLst>
-              <a:ext uri="{FF2B5EF4-FFF2-40B4-BE49-F238E27FC236}">
-                <a16:creationId xmlns:a16="http://schemas.microsoft.com/office/drawing/2014/main" id="{A7FDC859-D890-4904-9C64-27F43DA90453}"/>
-              </a:ext>
-            </a:extLst>
-          </p:cNvPr>
-          <p:cNvPicPr>
-            <a:picLocks noChangeAspect="1"/>
-          </p:cNvPicPr>
-          <p:nvPr/>
-        </p:nvPicPr>
-        <p:blipFill rotWithShape="1">
-          <a:blip r:embed="rId2">
-            <a:extLst>
-              <a:ext uri="{28A0092B-C50C-407E-A947-70E740481C1C}">
-                <a14:useLocalDpi xmlns:a14="http://schemas.microsoft.com/office/drawing/2010/main" val="0"/>
-              </a:ext>
-            </a:extLst>
-          </a:blip>
-          <a:srcRect t="5616" r="2" b="2"/>
-          <a:stretch/>
-        </p:blipFill>
-        <p:spPr>
-          <a:xfrm>
-            <a:off x="7471144" y="1700078"/>
-            <a:ext cx="4720855" cy="2583792"/>
-          </a:xfrm>
-          <a:custGeom>
-            <a:avLst/>
-            <a:gdLst>
-              <a:gd name="connsiteX0" fmla="*/ 0 w 5475077"/>
-              <a:gd name="connsiteY0" fmla="*/ 0 h 2583792"/>
-              <a:gd name="connsiteX1" fmla="*/ 5475077 w 5475077"/>
-              <a:gd name="connsiteY1" fmla="*/ 0 h 2583792"/>
-              <a:gd name="connsiteX2" fmla="*/ 5475077 w 5475077"/>
-              <a:gd name="connsiteY2" fmla="*/ 2583792 h 2583792"/>
-              <a:gd name="connsiteX3" fmla="*/ 1197192 w 5475077"/>
-              <a:gd name="connsiteY3" fmla="*/ 2583792 h 2583792"/>
-            </a:gdLst>
-            <a:ahLst/>
-            <a:cxnLst>
-              <a:cxn ang="0">
-                <a:pos x="connsiteX0" y="connsiteY0"/>
-              </a:cxn>
-              <a:cxn ang="0">
-                <a:pos x="connsiteX1" y="connsiteY1"/>
-              </a:cxn>
-              <a:cxn ang="0">
-                <a:pos x="connsiteX2" y="connsiteY2"/>
-              </a:cxn>
-              <a:cxn ang="0">
-                <a:pos x="connsiteX3" y="connsiteY3"/>
-              </a:cxn>
-            </a:cxnLst>
-            <a:rect l="l" t="t" r="r" b="b"/>
-            <a:pathLst>
-              <a:path w="5475077" h="2583792">
-                <a:moveTo>
-                  <a:pt x="0" y="0"/>
-                </a:moveTo>
-                <a:lnTo>
-                  <a:pt x="5475077" y="0"/>
-                </a:lnTo>
-                <a:lnTo>
-                  <a:pt x="5475077" y="2583792"/>
-                </a:lnTo>
-                <a:lnTo>
-                  <a:pt x="1197192" y="2583792"/>
-                </a:lnTo>
-                <a:close/>
-              </a:path>
-            </a:pathLst>
-          </a:custGeom>
-        </p:spPr>
-      </p:pic>
-      <p:pic>
-        <p:nvPicPr>
-          <p:cNvPr id="5" name="Content Placeholder 4" descr="A picture containing indoor&#10;&#10;Description automatically generated">
-            <a:extLst>
-              <a:ext uri="{FF2B5EF4-FFF2-40B4-BE49-F238E27FC236}">
-                <a16:creationId xmlns:a16="http://schemas.microsoft.com/office/drawing/2014/main" id="{A58F0E55-21F3-485B-A07F-1CE74177BDD2}"/>
-              </a:ext>
-            </a:extLst>
-          </p:cNvPr>
-          <p:cNvPicPr>
-            <a:picLocks noChangeAspect="1"/>
-          </p:cNvPicPr>
-          <p:nvPr/>
-        </p:nvPicPr>
-        <p:blipFill rotWithShape="1">
-          <a:blip r:embed="rId3">
-            <a:extLst>
-              <a:ext uri="{28A0092B-C50C-407E-A947-70E740481C1C}">
-                <a14:useLocalDpi xmlns:a14="http://schemas.microsoft.com/office/drawing/2010/main" val="0"/>
-              </a:ext>
-            </a:extLst>
-          </a:blip>
-          <a:srcRect t="5300" r="3" b="6859"/>
-          <a:stretch/>
-        </p:blipFill>
-        <p:spPr>
-          <a:xfrm>
-            <a:off x="8491869" y="4283870"/>
-            <a:ext cx="3700129" cy="2583520"/>
-          </a:xfrm>
-          <a:custGeom>
-            <a:avLst/>
-            <a:gdLst>
-              <a:gd name="connsiteX0" fmla="*/ 0 w 4277884"/>
-              <a:gd name="connsiteY0" fmla="*/ 0 h 2583520"/>
-              <a:gd name="connsiteX1" fmla="*/ 4277884 w 4277884"/>
-              <a:gd name="connsiteY1" fmla="*/ 0 h 2583520"/>
-              <a:gd name="connsiteX2" fmla="*/ 4277884 w 4277884"/>
-              <a:gd name="connsiteY2" fmla="*/ 2583520 h 2583520"/>
-              <a:gd name="connsiteX3" fmla="*/ 1192437 w 4277884"/>
-              <a:gd name="connsiteY3" fmla="*/ 2583520 h 2583520"/>
-              <a:gd name="connsiteX4" fmla="*/ 1188085 w 4277884"/>
-              <a:gd name="connsiteY4" fmla="*/ 2574129 h 2583520"/>
-              <a:gd name="connsiteX5" fmla="*/ 1192715 w 4277884"/>
-              <a:gd name="connsiteY5" fmla="*/ 2574129 h 2583520"/>
-            </a:gdLst>
-            <a:ahLst/>
-            <a:cxnLst>
-              <a:cxn ang="0">
-                <a:pos x="connsiteX0" y="connsiteY0"/>
-              </a:cxn>
-              <a:cxn ang="0">
-                <a:pos x="connsiteX1" y="connsiteY1"/>
-              </a:cxn>
-              <a:cxn ang="0">
-                <a:pos x="connsiteX2" y="connsiteY2"/>
-              </a:cxn>
-              <a:cxn ang="0">
-                <a:pos x="connsiteX3" y="connsiteY3"/>
-              </a:cxn>
-              <a:cxn ang="0">
-                <a:pos x="connsiteX4" y="connsiteY4"/>
-              </a:cxn>
-              <a:cxn ang="0">
-                <a:pos x="connsiteX5" y="connsiteY5"/>
-              </a:cxn>
-            </a:cxnLst>
-            <a:rect l="l" t="t" r="r" b="b"/>
-            <a:pathLst>
-              <a:path w="4277884" h="2583520">
-                <a:moveTo>
-                  <a:pt x="0" y="0"/>
-                </a:moveTo>
-                <a:lnTo>
-                  <a:pt x="4277884" y="0"/>
-                </a:lnTo>
-                <a:lnTo>
-                  <a:pt x="4277884" y="2583520"/>
-                </a:lnTo>
-                <a:lnTo>
-                  <a:pt x="1192437" y="2583520"/>
-                </a:lnTo>
-                <a:lnTo>
-                  <a:pt x="1188085" y="2574129"/>
-                </a:lnTo>
-                <a:lnTo>
-                  <a:pt x="1192715" y="2574129"/>
-                </a:lnTo>
-                <a:close/>
-              </a:path>
-            </a:pathLst>
-          </a:custGeom>
-        </p:spPr>
-      </p:pic>
-      <p:sp>
-        <p:nvSpPr>
-          <p:cNvPr id="6" name="Rectangle 5">
-            <a:extLst>
-              <a:ext uri="{FF2B5EF4-FFF2-40B4-BE49-F238E27FC236}">
-                <a16:creationId xmlns:a16="http://schemas.microsoft.com/office/drawing/2014/main" id="{A2901312-C3C2-4CEC-80EF-823AB4FBB726}"/>
-              </a:ext>
-            </a:extLst>
-          </p:cNvPr>
-          <p:cNvSpPr/>
-          <p:nvPr/>
-        </p:nvSpPr>
-        <p:spPr>
-          <a:xfrm>
-            <a:off x="-1" y="1608918"/>
-            <a:ext cx="12191999" cy="91160"/>
-          </a:xfrm>
-          <a:prstGeom prst="rect">
-            <a:avLst/>
-          </a:prstGeom>
-          <a:solidFill>
-            <a:schemeClr val="bg1"/>
-          </a:solidFill>
-          <a:ln>
-            <a:noFill/>
-          </a:ln>
-        </p:spPr>
-        <p:style>
-          <a:lnRef idx="2">
-            <a:schemeClr val="accent1">
-              <a:shade val="50000"/>
-            </a:schemeClr>
-          </a:lnRef>
-          <a:fillRef idx="1">
-            <a:schemeClr val="accent1"/>
-          </a:fillRef>
-          <a:effectRef idx="0">
-            <a:schemeClr val="accent1"/>
-          </a:effectRef>
-          <a:fontRef idx="minor">
-            <a:schemeClr val="lt1"/>
-          </a:fontRef>
-        </p:style>
-        <p:txBody>
-          <a:bodyPr rtlCol="0" anchor="ctr"/>
-          <a:lstStyle/>
-          <a:p>
-            <a:pPr algn="ctr"/>
-            <a:endParaRPr lang="en-US">
-              <a:solidFill>
-                <a:srgbClr val="DB5B5C"/>
-              </a:solidFill>
-            </a:endParaRPr>
-          </a:p>
-        </p:txBody>
-      </p:sp>
-      <p:sp>
-        <p:nvSpPr>
-          <p:cNvPr id="15" name="Rectangle 14">
-            <a:extLst>
-              <a:ext uri="{FF2B5EF4-FFF2-40B4-BE49-F238E27FC236}">
-                <a16:creationId xmlns:a16="http://schemas.microsoft.com/office/drawing/2014/main" id="{AD0A7C9C-CA2C-4B9B-A125-2D09D5573B44}"/>
-              </a:ext>
-            </a:extLst>
-          </p:cNvPr>
-          <p:cNvSpPr/>
-          <p:nvPr/>
-        </p:nvSpPr>
-        <p:spPr>
-          <a:xfrm>
-            <a:off x="1" y="6677247"/>
-            <a:ext cx="12191999" cy="190143"/>
-          </a:xfrm>
-          <a:prstGeom prst="rect">
-            <a:avLst/>
-          </a:prstGeom>
-          <a:solidFill>
-            <a:schemeClr val="bg1"/>
-          </a:solidFill>
-          <a:ln>
-            <a:noFill/>
-          </a:ln>
-        </p:spPr>
-        <p:style>
-          <a:lnRef idx="2">
-            <a:schemeClr val="accent1">
-              <a:shade val="50000"/>
-            </a:schemeClr>
-          </a:lnRef>
-          <a:fillRef idx="1">
-            <a:schemeClr val="accent1"/>
-          </a:fillRef>
-          <a:effectRef idx="0">
-            <a:schemeClr val="accent1"/>
-          </a:effectRef>
-          <a:fontRef idx="minor">
-            <a:schemeClr val="lt1"/>
-          </a:fontRef>
-        </p:style>
-        <p:txBody>
-          <a:bodyPr rtlCol="0" anchor="ctr"/>
-          <a:lstStyle/>
-          <a:p>
-            <a:pPr algn="ctr"/>
-            <a:endParaRPr lang="en-US">
-              <a:solidFill>
-                <a:srgbClr val="DB5B5C"/>
-              </a:solidFill>
-            </a:endParaRPr>
-          </a:p>
-        </p:txBody>
-      </p:sp>
-      <p:sp>
-        <p:nvSpPr>
-          <p:cNvPr id="16" name="Rectangle 15">
-            <a:extLst>
-              <a:ext uri="{FF2B5EF4-FFF2-40B4-BE49-F238E27FC236}">
-                <a16:creationId xmlns:a16="http://schemas.microsoft.com/office/drawing/2014/main" id="{74A085FC-1866-46D4-97F7-51AA45E48D4F}"/>
-              </a:ext>
-            </a:extLst>
-          </p:cNvPr>
-          <p:cNvSpPr/>
-          <p:nvPr/>
-        </p:nvSpPr>
-        <p:spPr>
-          <a:xfrm rot="4092292">
-            <a:off x="5790668" y="4094517"/>
-            <a:ext cx="5446699" cy="137038"/>
-          </a:xfrm>
-          <a:prstGeom prst="rect">
-            <a:avLst/>
-          </a:prstGeom>
-          <a:solidFill>
-            <a:schemeClr val="bg1"/>
-          </a:solidFill>
-          <a:ln>
-            <a:noFill/>
-          </a:ln>
-        </p:spPr>
-        <p:style>
-          <a:lnRef idx="2">
-            <a:schemeClr val="accent1">
-              <a:shade val="50000"/>
-            </a:schemeClr>
-          </a:lnRef>
-          <a:fillRef idx="1">
-            <a:schemeClr val="accent1"/>
-          </a:fillRef>
-          <a:effectRef idx="0">
-            <a:schemeClr val="accent1"/>
-          </a:effectRef>
-          <a:fontRef idx="minor">
-            <a:schemeClr val="lt1"/>
-          </a:fontRef>
-        </p:style>
-        <p:txBody>
-          <a:bodyPr rtlCol="0" anchor="ctr"/>
-          <a:lstStyle/>
-          <a:p>
-            <a:pPr algn="ctr"/>
-            <a:endParaRPr lang="en-US">
-              <a:solidFill>
-                <a:srgbClr val="DB5B5C"/>
-              </a:solidFill>
-            </a:endParaRPr>
-          </a:p>
-        </p:txBody>
-      </p:sp>
-    </p:spTree>
-    <p:extLst>
-      <p:ext uri="{BB962C8B-B14F-4D97-AF65-F5344CB8AC3E}">
-        <p14:creationId xmlns:p14="http://schemas.microsoft.com/office/powerpoint/2010/main" val="844394623"/>
-      </p:ext>
-    </p:extLst>
-  </p:cSld>
-  <p:clrMapOvr>
-    <a:overrideClrMapping bg1="dk1" tx1="lt1" bg2="dk2" tx2="lt2" accent1="accent1" accent2="accent2" accent3="accent3" accent4="accent4" accent5="accent5" accent6="accent6" hlink="hlink" folHlink="folHlink"/>
-  </p:clrMapOvr>
-</p:sld>
-</file>
-
-<file path=ppt/slides/slide17.xml><?xml version="1.0" encoding="utf-8"?>
-<p:sld xmlns:a="http://schemas.openxmlformats.org/drawingml/2006/main" xmlns:r="http://schemas.openxmlformats.org/officeDocument/2006/relationships" xmlns:p="http://schemas.openxmlformats.org/presentationml/2006/main">
-  <p:cSld>
-    <p:bg>
-      <p:bgPr>
-        <a:solidFill>
-          <a:srgbClr val="395583"/>
-        </a:solidFill>
-        <a:effectLst/>
-      </p:bgPr>
-    </p:bg>
-    <p:spTree>
-      <p:nvGrpSpPr>
-        <p:cNvPr id="1" name=""/>
-        <p:cNvGrpSpPr/>
-        <p:nvPr/>
-      </p:nvGrpSpPr>
-      <p:grpSpPr>
-        <a:xfrm>
-          <a:off x="0" y="0"/>
-          <a:ext cx="0" cy="0"/>
-          <a:chOff x="0" y="0"/>
-          <a:chExt cx="0" cy="0"/>
-        </a:xfrm>
-      </p:grpSpPr>
-      <p:sp>
-        <p:nvSpPr>
-          <p:cNvPr id="25" name="Rectangle 24">
-            <a:extLst>
-              <a:ext uri="{FF2B5EF4-FFF2-40B4-BE49-F238E27FC236}">
-                <a16:creationId xmlns:a16="http://schemas.microsoft.com/office/drawing/2014/main" id="{A6792F05-2FD4-4F18-815E-15391E8B4A0E}"/>
-              </a:ext>
-              <a:ext uri="{C183D7F6-B498-43B3-948B-1728B52AA6E4}">
-                <adec:decorative xmlns:adec="http://schemas.microsoft.com/office/drawing/2017/decorative" val="1"/>
-              </a:ext>
-            </a:extLst>
-          </p:cNvPr>
-          <p:cNvSpPr>
-            <a:spLocks noGrp="1" noRot="1" noChangeAspect="1" noMove="1" noResize="1" noEditPoints="1" noAdjustHandles="1" noChangeArrowheads="1" noChangeShapeType="1" noTextEdit="1"/>
-          </p:cNvSpPr>
-          <p:nvPr>
-            <p:extLst>
-              <p:ext uri="{386F3935-93C4-4BCD-93E2-E3B085C9AB24}">
-                <p16:designElem xmlns:p16="http://schemas.microsoft.com/office/powerpoint/2015/main" val="1"/>
-              </p:ext>
-            </p:extLst>
-          </p:nvPr>
-        </p:nvSpPr>
-        <p:spPr>
-          <a:xfrm>
-            <a:off x="0" y="0"/>
-            <a:ext cx="12191999" cy="6858000"/>
-          </a:xfrm>
-          <a:prstGeom prst="rect">
-            <a:avLst/>
-          </a:prstGeom>
-          <a:solidFill>
-            <a:srgbClr val="395583"/>
-          </a:solidFill>
-          <a:ln>
-            <a:noFill/>
-          </a:ln>
-        </p:spPr>
-        <p:style>
-          <a:lnRef idx="2">
-            <a:schemeClr val="accent1">
-              <a:shade val="50000"/>
-            </a:schemeClr>
-          </a:lnRef>
-          <a:fillRef idx="1">
-            <a:schemeClr val="accent1"/>
-          </a:fillRef>
-          <a:effectRef idx="0">
-            <a:schemeClr val="accent1"/>
-          </a:effectRef>
-          <a:fontRef idx="minor">
-            <a:schemeClr val="lt1"/>
-          </a:fontRef>
-        </p:style>
-        <p:txBody>
-          <a:bodyPr rtlCol="0" anchor="ctr"/>
-          <a:lstStyle/>
-          <a:p>
-            <a:pPr algn="ctr"/>
-            <a:endParaRPr lang="en-US"/>
-          </a:p>
-        </p:txBody>
-      </p:sp>
-      <p:sp>
-        <p:nvSpPr>
-          <p:cNvPr id="2" name="Title 1">
-            <a:extLst>
-              <a:ext uri="{FF2B5EF4-FFF2-40B4-BE49-F238E27FC236}">
-                <a16:creationId xmlns:a16="http://schemas.microsoft.com/office/drawing/2014/main" id="{2589AFCC-0FF0-498C-B11F-8990DF0DAAA5}"/>
-              </a:ext>
-            </a:extLst>
-          </p:cNvPr>
-          <p:cNvSpPr>
-            <a:spLocks noGrp="1"/>
-          </p:cNvSpPr>
-          <p:nvPr>
-            <p:ph type="title"/>
-          </p:nvPr>
-        </p:nvSpPr>
-        <p:spPr>
-          <a:xfrm>
-            <a:off x="838200" y="365125"/>
-            <a:ext cx="10515600" cy="1325563"/>
-          </a:xfrm>
-        </p:spPr>
-        <p:txBody>
-          <a:bodyPr>
-            <a:normAutofit/>
-          </a:bodyPr>
-          <a:lstStyle/>
-          <a:p>
-            <a:r>
-              <a:rPr lang="en-US" b="1" dirty="0">
-                <a:latin typeface="Selawik Semibold" panose="020B0604020202020204" pitchFamily="34" charset="0"/>
-              </a:rPr>
-              <a:t>Analytics Across the Organizations</a:t>
-            </a:r>
-          </a:p>
-        </p:txBody>
-      </p:sp>
-      <p:sp>
-        <p:nvSpPr>
-          <p:cNvPr id="9" name="Content Placeholder 8">
-            <a:extLst>
-              <a:ext uri="{FF2B5EF4-FFF2-40B4-BE49-F238E27FC236}">
-                <a16:creationId xmlns:a16="http://schemas.microsoft.com/office/drawing/2014/main" id="{2D995594-59F2-4020-AB6F-751BAE84ADB3}"/>
-              </a:ext>
-            </a:extLst>
-          </p:cNvPr>
-          <p:cNvSpPr>
-            <a:spLocks noGrp="1"/>
-          </p:cNvSpPr>
-          <p:nvPr>
-            <p:ph idx="1"/>
-          </p:nvPr>
-        </p:nvSpPr>
-        <p:spPr>
-          <a:xfrm>
-            <a:off x="838199" y="2021249"/>
-            <a:ext cx="7653667" cy="4366104"/>
-          </a:xfrm>
-        </p:spPr>
-        <p:txBody>
-          <a:bodyPr>
-            <a:normAutofit/>
-          </a:bodyPr>
-          <a:lstStyle/>
-          <a:p>
-            <a:r>
-              <a:rPr lang="en-US" sz="2400" dirty="0">
-                <a:latin typeface="Selawik Semibold" panose="020B0702040204020203" pitchFamily="34" charset="0"/>
-              </a:rPr>
-              <a:t>How Many Statistical Analysts are Employed?</a:t>
-            </a:r>
-          </a:p>
-          <a:p>
-            <a:pPr lvl="1"/>
-            <a:r>
-              <a:rPr lang="en-US" sz="2000" dirty="0">
-                <a:latin typeface="Selawik Semibold" panose="020B0702040204020203" pitchFamily="34" charset="0"/>
-              </a:rPr>
-              <a:t>0 (20.0%)</a:t>
-            </a:r>
-          </a:p>
-          <a:p>
-            <a:pPr lvl="1"/>
-            <a:r>
-              <a:rPr lang="en-US" sz="2000" dirty="0">
-                <a:latin typeface="Selawik Semibold" panose="020B0702040204020203" pitchFamily="34" charset="0"/>
-              </a:rPr>
-              <a:t>1-2 (66.6%)</a:t>
-            </a:r>
-          </a:p>
-          <a:p>
-            <a:pPr lvl="1"/>
-            <a:r>
-              <a:rPr lang="en-US" sz="2000" dirty="0">
-                <a:latin typeface="Selawik Semibold" panose="020B0702040204020203" pitchFamily="34" charset="0"/>
-              </a:rPr>
-              <a:t>3-4 (0.0%)</a:t>
-            </a:r>
-          </a:p>
-          <a:p>
-            <a:pPr lvl="1"/>
-            <a:r>
-              <a:rPr lang="en-US" sz="2000" dirty="0">
-                <a:latin typeface="Selawik Semibold" panose="020B0702040204020203" pitchFamily="34" charset="0"/>
-              </a:rPr>
-              <a:t>&gt;5 (13.3%)</a:t>
-            </a:r>
-          </a:p>
-          <a:p>
-            <a:pPr lvl="1"/>
-            <a:endParaRPr lang="en-US" sz="2000" dirty="0">
-              <a:latin typeface="Selawik Semibold" panose="020B0702040204020203" pitchFamily="34" charset="0"/>
-            </a:endParaRPr>
-          </a:p>
-          <a:p>
-            <a:r>
-              <a:rPr lang="en-US" sz="2400" dirty="0">
-                <a:latin typeface="Selawik Semibold" panose="020B0702040204020203" pitchFamily="34" charset="0"/>
-              </a:rPr>
-              <a:t>Roadblock: Difficulty Identifying Strong Applicant</a:t>
-            </a:r>
-          </a:p>
-          <a:p>
-            <a:endParaRPr lang="en-US" sz="2400" dirty="0">
-              <a:latin typeface="Selawik Semibold" panose="020B0702040204020203" pitchFamily="34" charset="0"/>
-            </a:endParaRPr>
-          </a:p>
-          <a:p>
-            <a:r>
-              <a:rPr lang="en-US" sz="2400" dirty="0">
-                <a:latin typeface="Selawik Semibold" panose="020B0702040204020203" pitchFamily="34" charset="0"/>
-              </a:rPr>
-              <a:t>Difficulty in Both Hiring and Evaluating</a:t>
-            </a:r>
-          </a:p>
-          <a:p>
-            <a:endParaRPr lang="en-US" sz="2400" dirty="0">
-              <a:latin typeface="Selawik Semibold" panose="020B0702040204020203" pitchFamily="34" charset="0"/>
-            </a:endParaRPr>
-          </a:p>
-        </p:txBody>
-      </p:sp>
-      <p:pic>
-        <p:nvPicPr>
-          <p:cNvPr id="4" name="Picture 3" descr="A drawing of a cartoon character&#10;&#10;Description automatically generated">
-            <a:extLst>
-              <a:ext uri="{FF2B5EF4-FFF2-40B4-BE49-F238E27FC236}">
-                <a16:creationId xmlns:a16="http://schemas.microsoft.com/office/drawing/2014/main" id="{A7FDC859-D890-4904-9C64-27F43DA90453}"/>
-              </a:ext>
-            </a:extLst>
-          </p:cNvPr>
-          <p:cNvPicPr>
-            <a:picLocks noChangeAspect="1"/>
-          </p:cNvPicPr>
-          <p:nvPr/>
-        </p:nvPicPr>
-        <p:blipFill rotWithShape="1">
-          <a:blip r:embed="rId2">
-            <a:extLst>
-              <a:ext uri="{28A0092B-C50C-407E-A947-70E740481C1C}">
-                <a14:useLocalDpi xmlns:a14="http://schemas.microsoft.com/office/drawing/2010/main" val="0"/>
-              </a:ext>
-            </a:extLst>
-          </a:blip>
-          <a:srcRect t="5616" r="2" b="2"/>
-          <a:stretch/>
-        </p:blipFill>
-        <p:spPr>
-          <a:xfrm>
-            <a:off x="7471144" y="1700078"/>
-            <a:ext cx="4720855" cy="2583792"/>
-          </a:xfrm>
-          <a:custGeom>
-            <a:avLst/>
-            <a:gdLst>
-              <a:gd name="connsiteX0" fmla="*/ 0 w 5475077"/>
-              <a:gd name="connsiteY0" fmla="*/ 0 h 2583792"/>
-              <a:gd name="connsiteX1" fmla="*/ 5475077 w 5475077"/>
-              <a:gd name="connsiteY1" fmla="*/ 0 h 2583792"/>
-              <a:gd name="connsiteX2" fmla="*/ 5475077 w 5475077"/>
-              <a:gd name="connsiteY2" fmla="*/ 2583792 h 2583792"/>
-              <a:gd name="connsiteX3" fmla="*/ 1197192 w 5475077"/>
-              <a:gd name="connsiteY3" fmla="*/ 2583792 h 2583792"/>
-            </a:gdLst>
-            <a:ahLst/>
-            <a:cxnLst>
-              <a:cxn ang="0">
-                <a:pos x="connsiteX0" y="connsiteY0"/>
-              </a:cxn>
-              <a:cxn ang="0">
-                <a:pos x="connsiteX1" y="connsiteY1"/>
-              </a:cxn>
-              <a:cxn ang="0">
-                <a:pos x="connsiteX2" y="connsiteY2"/>
-              </a:cxn>
-              <a:cxn ang="0">
-                <a:pos x="connsiteX3" y="connsiteY3"/>
-              </a:cxn>
-            </a:cxnLst>
-            <a:rect l="l" t="t" r="r" b="b"/>
-            <a:pathLst>
-              <a:path w="5475077" h="2583792">
-                <a:moveTo>
-                  <a:pt x="0" y="0"/>
-                </a:moveTo>
-                <a:lnTo>
-                  <a:pt x="5475077" y="0"/>
-                </a:lnTo>
-                <a:lnTo>
-                  <a:pt x="5475077" y="2583792"/>
-                </a:lnTo>
-                <a:lnTo>
-                  <a:pt x="1197192" y="2583792"/>
-                </a:lnTo>
-                <a:close/>
-              </a:path>
-            </a:pathLst>
-          </a:custGeom>
-        </p:spPr>
-      </p:pic>
-      <p:pic>
-        <p:nvPicPr>
-          <p:cNvPr id="5" name="Content Placeholder 4" descr="A picture containing indoor&#10;&#10;Description automatically generated">
-            <a:extLst>
-              <a:ext uri="{FF2B5EF4-FFF2-40B4-BE49-F238E27FC236}">
-                <a16:creationId xmlns:a16="http://schemas.microsoft.com/office/drawing/2014/main" id="{A58F0E55-21F3-485B-A07F-1CE74177BDD2}"/>
-              </a:ext>
-            </a:extLst>
-          </p:cNvPr>
-          <p:cNvPicPr>
-            <a:picLocks noChangeAspect="1"/>
-          </p:cNvPicPr>
-          <p:nvPr/>
-        </p:nvPicPr>
-        <p:blipFill rotWithShape="1">
-          <a:blip r:embed="rId3">
-            <a:extLst>
-              <a:ext uri="{28A0092B-C50C-407E-A947-70E740481C1C}">
-                <a14:useLocalDpi xmlns:a14="http://schemas.microsoft.com/office/drawing/2010/main" val="0"/>
-              </a:ext>
-            </a:extLst>
-          </a:blip>
-          <a:srcRect t="5300" r="3" b="6859"/>
-          <a:stretch/>
-        </p:blipFill>
-        <p:spPr>
-          <a:xfrm>
-            <a:off x="8491869" y="4283870"/>
-            <a:ext cx="3700129" cy="2583520"/>
-          </a:xfrm>
-          <a:custGeom>
-            <a:avLst/>
-            <a:gdLst>
-              <a:gd name="connsiteX0" fmla="*/ 0 w 4277884"/>
-              <a:gd name="connsiteY0" fmla="*/ 0 h 2583520"/>
-              <a:gd name="connsiteX1" fmla="*/ 4277884 w 4277884"/>
-              <a:gd name="connsiteY1" fmla="*/ 0 h 2583520"/>
-              <a:gd name="connsiteX2" fmla="*/ 4277884 w 4277884"/>
-              <a:gd name="connsiteY2" fmla="*/ 2583520 h 2583520"/>
-              <a:gd name="connsiteX3" fmla="*/ 1192437 w 4277884"/>
-              <a:gd name="connsiteY3" fmla="*/ 2583520 h 2583520"/>
-              <a:gd name="connsiteX4" fmla="*/ 1188085 w 4277884"/>
-              <a:gd name="connsiteY4" fmla="*/ 2574129 h 2583520"/>
-              <a:gd name="connsiteX5" fmla="*/ 1192715 w 4277884"/>
-              <a:gd name="connsiteY5" fmla="*/ 2574129 h 2583520"/>
-            </a:gdLst>
-            <a:ahLst/>
-            <a:cxnLst>
-              <a:cxn ang="0">
-                <a:pos x="connsiteX0" y="connsiteY0"/>
-              </a:cxn>
-              <a:cxn ang="0">
-                <a:pos x="connsiteX1" y="connsiteY1"/>
-              </a:cxn>
-              <a:cxn ang="0">
-                <a:pos x="connsiteX2" y="connsiteY2"/>
-              </a:cxn>
-              <a:cxn ang="0">
-                <a:pos x="connsiteX3" y="connsiteY3"/>
-              </a:cxn>
-              <a:cxn ang="0">
-                <a:pos x="connsiteX4" y="connsiteY4"/>
-              </a:cxn>
-              <a:cxn ang="0">
-                <a:pos x="connsiteX5" y="connsiteY5"/>
-              </a:cxn>
-            </a:cxnLst>
-            <a:rect l="l" t="t" r="r" b="b"/>
-            <a:pathLst>
-              <a:path w="4277884" h="2583520">
-                <a:moveTo>
-                  <a:pt x="0" y="0"/>
-                </a:moveTo>
-                <a:lnTo>
-                  <a:pt x="4277884" y="0"/>
-                </a:lnTo>
-                <a:lnTo>
-                  <a:pt x="4277884" y="2583520"/>
-                </a:lnTo>
-                <a:lnTo>
-                  <a:pt x="1192437" y="2583520"/>
-                </a:lnTo>
-                <a:lnTo>
-                  <a:pt x="1188085" y="2574129"/>
-                </a:lnTo>
-                <a:lnTo>
-                  <a:pt x="1192715" y="2574129"/>
-                </a:lnTo>
-                <a:close/>
-              </a:path>
-            </a:pathLst>
-          </a:custGeom>
-        </p:spPr>
-      </p:pic>
-      <p:sp>
-        <p:nvSpPr>
-          <p:cNvPr id="6" name="Rectangle 5">
-            <a:extLst>
-              <a:ext uri="{FF2B5EF4-FFF2-40B4-BE49-F238E27FC236}">
-                <a16:creationId xmlns:a16="http://schemas.microsoft.com/office/drawing/2014/main" id="{A2901312-C3C2-4CEC-80EF-823AB4FBB726}"/>
-              </a:ext>
-            </a:extLst>
-          </p:cNvPr>
-          <p:cNvSpPr/>
-          <p:nvPr/>
-        </p:nvSpPr>
-        <p:spPr>
-          <a:xfrm>
-            <a:off x="-1" y="1608918"/>
-            <a:ext cx="12191999" cy="91160"/>
-          </a:xfrm>
-          <a:prstGeom prst="rect">
-            <a:avLst/>
-          </a:prstGeom>
-          <a:solidFill>
-            <a:schemeClr val="bg1"/>
-          </a:solidFill>
-          <a:ln>
-            <a:noFill/>
-          </a:ln>
-        </p:spPr>
-        <p:style>
-          <a:lnRef idx="2">
-            <a:schemeClr val="accent1">
-              <a:shade val="50000"/>
-            </a:schemeClr>
-          </a:lnRef>
-          <a:fillRef idx="1">
-            <a:schemeClr val="accent1"/>
-          </a:fillRef>
-          <a:effectRef idx="0">
-            <a:schemeClr val="accent1"/>
-          </a:effectRef>
-          <a:fontRef idx="minor">
-            <a:schemeClr val="lt1"/>
-          </a:fontRef>
-        </p:style>
-        <p:txBody>
-          <a:bodyPr rtlCol="0" anchor="ctr"/>
-          <a:lstStyle/>
-          <a:p>
-            <a:pPr algn="ctr"/>
-            <a:endParaRPr lang="en-US">
-              <a:solidFill>
-                <a:srgbClr val="DB5B5C"/>
-              </a:solidFill>
-            </a:endParaRPr>
-          </a:p>
-        </p:txBody>
-      </p:sp>
-      <p:sp>
-        <p:nvSpPr>
-          <p:cNvPr id="15" name="Rectangle 14">
-            <a:extLst>
-              <a:ext uri="{FF2B5EF4-FFF2-40B4-BE49-F238E27FC236}">
-                <a16:creationId xmlns:a16="http://schemas.microsoft.com/office/drawing/2014/main" id="{AD0A7C9C-CA2C-4B9B-A125-2D09D5573B44}"/>
-              </a:ext>
-            </a:extLst>
-          </p:cNvPr>
-          <p:cNvSpPr/>
-          <p:nvPr/>
-        </p:nvSpPr>
-        <p:spPr>
-          <a:xfrm>
-            <a:off x="1" y="6677247"/>
-            <a:ext cx="12191999" cy="190143"/>
-          </a:xfrm>
-          <a:prstGeom prst="rect">
-            <a:avLst/>
-          </a:prstGeom>
-          <a:solidFill>
-            <a:schemeClr val="bg1"/>
-          </a:solidFill>
-          <a:ln>
-            <a:noFill/>
-          </a:ln>
-        </p:spPr>
-        <p:style>
-          <a:lnRef idx="2">
-            <a:schemeClr val="accent1">
-              <a:shade val="50000"/>
-            </a:schemeClr>
-          </a:lnRef>
-          <a:fillRef idx="1">
-            <a:schemeClr val="accent1"/>
-          </a:fillRef>
-          <a:effectRef idx="0">
-            <a:schemeClr val="accent1"/>
-          </a:effectRef>
-          <a:fontRef idx="minor">
-            <a:schemeClr val="lt1"/>
-          </a:fontRef>
-        </p:style>
-        <p:txBody>
-          <a:bodyPr rtlCol="0" anchor="ctr"/>
-          <a:lstStyle/>
-          <a:p>
-            <a:pPr algn="ctr"/>
-            <a:endParaRPr lang="en-US">
-              <a:solidFill>
-                <a:srgbClr val="DB5B5C"/>
-              </a:solidFill>
-            </a:endParaRPr>
-          </a:p>
-        </p:txBody>
-      </p:sp>
-      <p:sp>
-        <p:nvSpPr>
-          <p:cNvPr id="16" name="Rectangle 15">
-            <a:extLst>
-              <a:ext uri="{FF2B5EF4-FFF2-40B4-BE49-F238E27FC236}">
-                <a16:creationId xmlns:a16="http://schemas.microsoft.com/office/drawing/2014/main" id="{74A085FC-1866-46D4-97F7-51AA45E48D4F}"/>
-              </a:ext>
-            </a:extLst>
-          </p:cNvPr>
-          <p:cNvSpPr/>
-          <p:nvPr/>
-        </p:nvSpPr>
-        <p:spPr>
-          <a:xfrm rot="4092292">
-            <a:off x="5790668" y="4094517"/>
-            <a:ext cx="5446699" cy="137038"/>
-          </a:xfrm>
-          <a:prstGeom prst="rect">
-            <a:avLst/>
-          </a:prstGeom>
-          <a:solidFill>
-            <a:schemeClr val="bg1"/>
-          </a:solidFill>
-          <a:ln>
-            <a:noFill/>
-          </a:ln>
-        </p:spPr>
-        <p:style>
-          <a:lnRef idx="2">
-            <a:schemeClr val="accent1">
-              <a:shade val="50000"/>
-            </a:schemeClr>
-          </a:lnRef>
-          <a:fillRef idx="1">
-            <a:schemeClr val="accent1"/>
-          </a:fillRef>
-          <a:effectRef idx="0">
-            <a:schemeClr val="accent1"/>
-          </a:effectRef>
-          <a:fontRef idx="minor">
-            <a:schemeClr val="lt1"/>
-          </a:fontRef>
-        </p:style>
-        <p:txBody>
-          <a:bodyPr rtlCol="0" anchor="ctr"/>
-          <a:lstStyle/>
-          <a:p>
-            <a:pPr algn="ctr"/>
-            <a:endParaRPr lang="en-US">
-              <a:solidFill>
-                <a:srgbClr val="DB5B5C"/>
-              </a:solidFill>
-            </a:endParaRPr>
-          </a:p>
-        </p:txBody>
-      </p:sp>
-    </p:spTree>
-    <p:extLst>
-      <p:ext uri="{BB962C8B-B14F-4D97-AF65-F5344CB8AC3E}">
-        <p14:creationId xmlns:p14="http://schemas.microsoft.com/office/powerpoint/2010/main" val="1297707072"/>
-      </p:ext>
-    </p:extLst>
-  </p:cSld>
-  <p:clrMapOvr>
-    <a:overrideClrMapping bg1="dk1" tx1="lt1" bg2="dk2" tx2="lt2" accent1="accent1" accent2="accent2" accent3="accent3" accent4="accent4" accent5="accent5" accent6="accent6" hlink="hlink" folHlink="folHlink"/>
-  </p:clrMapOvr>
-</p:sld>
-</file>
-
-<file path=ppt/slides/slide18.xml><?xml version="1.0" encoding="utf-8"?>
-<p:sld xmlns:a="http://schemas.openxmlformats.org/drawingml/2006/main" xmlns:r="http://schemas.openxmlformats.org/officeDocument/2006/relationships" xmlns:p="http://schemas.openxmlformats.org/presentationml/2006/main">
-  <p:cSld>
-    <p:bg>
-      <p:bgPr>
-        <a:solidFill>
-          <a:srgbClr val="395583"/>
-        </a:solidFill>
-        <a:effectLst/>
-      </p:bgPr>
-    </p:bg>
-    <p:spTree>
-      <p:nvGrpSpPr>
-        <p:cNvPr id="1" name=""/>
-        <p:cNvGrpSpPr/>
-        <p:nvPr/>
-      </p:nvGrpSpPr>
-      <p:grpSpPr>
-        <a:xfrm>
-          <a:off x="0" y="0"/>
-          <a:ext cx="0" cy="0"/>
-          <a:chOff x="0" y="0"/>
-          <a:chExt cx="0" cy="0"/>
-        </a:xfrm>
-      </p:grpSpPr>
-      <p:sp>
-        <p:nvSpPr>
-          <p:cNvPr id="25" name="Rectangle 24">
-            <a:extLst>
-              <a:ext uri="{FF2B5EF4-FFF2-40B4-BE49-F238E27FC236}">
-                <a16:creationId xmlns:a16="http://schemas.microsoft.com/office/drawing/2014/main" id="{A6792F05-2FD4-4F18-815E-15391E8B4A0E}"/>
-              </a:ext>
-              <a:ext uri="{C183D7F6-B498-43B3-948B-1728B52AA6E4}">
-                <adec:decorative xmlns:adec="http://schemas.microsoft.com/office/drawing/2017/decorative" val="1"/>
-              </a:ext>
-            </a:extLst>
-          </p:cNvPr>
-          <p:cNvSpPr>
-            <a:spLocks noGrp="1" noRot="1" noChangeAspect="1" noMove="1" noResize="1" noEditPoints="1" noAdjustHandles="1" noChangeArrowheads="1" noChangeShapeType="1" noTextEdit="1"/>
-          </p:cNvSpPr>
-          <p:nvPr>
-            <p:extLst>
-              <p:ext uri="{386F3935-93C4-4BCD-93E2-E3B085C9AB24}">
-                <p16:designElem xmlns:p16="http://schemas.microsoft.com/office/powerpoint/2015/main" val="1"/>
-              </p:ext>
-            </p:extLst>
-          </p:nvPr>
-        </p:nvSpPr>
-        <p:spPr>
-          <a:xfrm>
-            <a:off x="0" y="0"/>
-            <a:ext cx="12191999" cy="6858000"/>
-          </a:xfrm>
-          <a:prstGeom prst="rect">
-            <a:avLst/>
-          </a:prstGeom>
-          <a:solidFill>
-            <a:srgbClr val="395583"/>
-          </a:solidFill>
-          <a:ln>
-            <a:noFill/>
-          </a:ln>
-        </p:spPr>
-        <p:style>
-          <a:lnRef idx="2">
-            <a:schemeClr val="accent1">
-              <a:shade val="50000"/>
-            </a:schemeClr>
-          </a:lnRef>
-          <a:fillRef idx="1">
-            <a:schemeClr val="accent1"/>
-          </a:fillRef>
-          <a:effectRef idx="0">
-            <a:schemeClr val="accent1"/>
-          </a:effectRef>
-          <a:fontRef idx="minor">
-            <a:schemeClr val="lt1"/>
-          </a:fontRef>
-        </p:style>
-        <p:txBody>
-          <a:bodyPr rtlCol="0" anchor="ctr"/>
-          <a:lstStyle/>
-          <a:p>
-            <a:pPr algn="ctr"/>
-            <a:endParaRPr lang="en-US"/>
-          </a:p>
-        </p:txBody>
-      </p:sp>
-      <p:sp>
-        <p:nvSpPr>
-          <p:cNvPr id="2" name="Title 1">
-            <a:extLst>
-              <a:ext uri="{FF2B5EF4-FFF2-40B4-BE49-F238E27FC236}">
-                <a16:creationId xmlns:a16="http://schemas.microsoft.com/office/drawing/2014/main" id="{2589AFCC-0FF0-498C-B11F-8990DF0DAAA5}"/>
-              </a:ext>
-            </a:extLst>
-          </p:cNvPr>
-          <p:cNvSpPr>
-            <a:spLocks noGrp="1"/>
-          </p:cNvSpPr>
-          <p:nvPr>
-            <p:ph type="title"/>
-          </p:nvPr>
-        </p:nvSpPr>
-        <p:spPr>
-          <a:xfrm>
-            <a:off x="838200" y="365125"/>
-            <a:ext cx="10515600" cy="1325563"/>
-          </a:xfrm>
-        </p:spPr>
-        <p:txBody>
-          <a:bodyPr>
-            <a:normAutofit/>
-          </a:bodyPr>
-          <a:lstStyle/>
-          <a:p>
-            <a:r>
-              <a:rPr lang="en-US" b="1" dirty="0">
-                <a:latin typeface="Selawik Semibold" panose="020B0604020202020204" pitchFamily="34" charset="0"/>
-              </a:rPr>
-              <a:t>Analytics Across the Organizations</a:t>
-            </a:r>
-          </a:p>
-        </p:txBody>
-      </p:sp>
-      <p:sp>
-        <p:nvSpPr>
-          <p:cNvPr id="9" name="Content Placeholder 8">
-            <a:extLst>
-              <a:ext uri="{FF2B5EF4-FFF2-40B4-BE49-F238E27FC236}">
-                <a16:creationId xmlns:a16="http://schemas.microsoft.com/office/drawing/2014/main" id="{2D995594-59F2-4020-AB6F-751BAE84ADB3}"/>
-              </a:ext>
-            </a:extLst>
-          </p:cNvPr>
-          <p:cNvSpPr>
-            <a:spLocks noGrp="1"/>
-          </p:cNvSpPr>
-          <p:nvPr>
-            <p:ph idx="1"/>
-          </p:nvPr>
-        </p:nvSpPr>
-        <p:spPr>
-          <a:xfrm>
-            <a:off x="838199" y="2021249"/>
-            <a:ext cx="7882219" cy="4366104"/>
-          </a:xfrm>
-        </p:spPr>
-        <p:txBody>
-          <a:bodyPr>
-            <a:normAutofit/>
-          </a:bodyPr>
-          <a:lstStyle/>
-          <a:p>
-            <a:r>
-              <a:rPr lang="en-US" sz="2400" dirty="0">
-                <a:latin typeface="Selawik Semibold" panose="020B0702040204020203" pitchFamily="34" charset="0"/>
-              </a:rPr>
-              <a:t>Clear Process for Hiring/Evaluating Analysts</a:t>
-            </a:r>
-          </a:p>
-          <a:p>
-            <a:pPr lvl="1"/>
-            <a:r>
-              <a:rPr lang="en-US" sz="2000" dirty="0">
-                <a:latin typeface="Selawik Semibold" panose="020B0702040204020203" pitchFamily="34" charset="0"/>
-              </a:rPr>
-              <a:t>Strongly Agree (13.3%/14.3%)</a:t>
-            </a:r>
-          </a:p>
-          <a:p>
-            <a:pPr lvl="1"/>
-            <a:r>
-              <a:rPr lang="en-US" sz="2000" dirty="0">
-                <a:latin typeface="Selawik Semibold" panose="020B0702040204020203" pitchFamily="34" charset="0"/>
-              </a:rPr>
-              <a:t>Somewhat Agree (13.3%/14.3%)</a:t>
-            </a:r>
-          </a:p>
-          <a:p>
-            <a:pPr lvl="1"/>
-            <a:r>
-              <a:rPr lang="en-US" sz="2000" dirty="0">
-                <a:latin typeface="Selawik Semibold" panose="020B0702040204020203" pitchFamily="34" charset="0"/>
-              </a:rPr>
-              <a:t>Neutral (26.7%/28.6%)</a:t>
-            </a:r>
-          </a:p>
-          <a:p>
-            <a:pPr lvl="1"/>
-            <a:r>
-              <a:rPr lang="en-US" sz="2000" dirty="0">
-                <a:latin typeface="Selawik Semibold" panose="020B0702040204020203" pitchFamily="34" charset="0"/>
-              </a:rPr>
-              <a:t>Somewhat Disagree (13.4%/21.4%)</a:t>
-            </a:r>
-          </a:p>
-          <a:p>
-            <a:pPr lvl="1"/>
-            <a:r>
-              <a:rPr lang="en-US" sz="2000" dirty="0">
-                <a:latin typeface="Selawik Semibold" panose="020B0702040204020203" pitchFamily="34" charset="0"/>
-              </a:rPr>
-              <a:t>Strongly Disagree (33.3%/21.4%)</a:t>
-            </a:r>
-          </a:p>
-          <a:p>
-            <a:pPr lvl="1"/>
-            <a:endParaRPr lang="en-US" sz="2000" dirty="0">
-              <a:latin typeface="Selawik Semibold" panose="020B0702040204020203" pitchFamily="34" charset="0"/>
-            </a:endParaRPr>
-          </a:p>
-          <a:p>
-            <a:r>
-              <a:rPr lang="en-US" sz="2400" dirty="0">
-                <a:latin typeface="Selawik Semibold" panose="020B0702040204020203" pitchFamily="34" charset="0"/>
-              </a:rPr>
-              <a:t>Analytic Resources in Line with Strategic Game Plan</a:t>
-            </a:r>
-          </a:p>
-          <a:p>
-            <a:pPr lvl="1"/>
-            <a:r>
-              <a:rPr lang="en-US" sz="2000" dirty="0">
-                <a:latin typeface="Selawik Semibold" panose="020B0702040204020203" pitchFamily="34" charset="0"/>
-              </a:rPr>
-              <a:t>Strongly Agree (26.7%)</a:t>
-            </a:r>
-          </a:p>
-          <a:p>
-            <a:pPr lvl="1"/>
-            <a:r>
-              <a:rPr lang="en-US" sz="2000" dirty="0">
-                <a:latin typeface="Selawik Semibold" panose="020B0702040204020203" pitchFamily="34" charset="0"/>
-              </a:rPr>
-              <a:t>Somewhat Agree (33.3%)</a:t>
-            </a:r>
-          </a:p>
-          <a:p>
-            <a:pPr lvl="1"/>
-            <a:r>
-              <a:rPr lang="en-US" sz="2000" dirty="0">
-                <a:latin typeface="Selawik Semibold" panose="020B0702040204020203" pitchFamily="34" charset="0"/>
-              </a:rPr>
-              <a:t>Neutral (33.3%)</a:t>
-            </a:r>
-          </a:p>
-          <a:p>
-            <a:pPr lvl="1"/>
-            <a:r>
-              <a:rPr lang="en-US" sz="2000" dirty="0">
-                <a:latin typeface="Selawik Semibold" panose="020B0702040204020203" pitchFamily="34" charset="0"/>
-              </a:rPr>
-              <a:t>Strongly Disagree (6.7%)</a:t>
-            </a:r>
-          </a:p>
-          <a:p>
-            <a:endParaRPr lang="en-US" sz="2400" dirty="0">
-              <a:latin typeface="Selawik Semibold" panose="020B0702040204020203" pitchFamily="34" charset="0"/>
-            </a:endParaRPr>
-          </a:p>
-        </p:txBody>
-      </p:sp>
-      <p:pic>
-        <p:nvPicPr>
-          <p:cNvPr id="4" name="Picture 3" descr="A drawing of a cartoon character&#10;&#10;Description automatically generated">
-            <a:extLst>
-              <a:ext uri="{FF2B5EF4-FFF2-40B4-BE49-F238E27FC236}">
-                <a16:creationId xmlns:a16="http://schemas.microsoft.com/office/drawing/2014/main" id="{A7FDC859-D890-4904-9C64-27F43DA90453}"/>
-              </a:ext>
-            </a:extLst>
-          </p:cNvPr>
-          <p:cNvPicPr>
-            <a:picLocks noChangeAspect="1"/>
-          </p:cNvPicPr>
-          <p:nvPr/>
-        </p:nvPicPr>
-        <p:blipFill rotWithShape="1">
-          <a:blip r:embed="rId2">
-            <a:extLst>
-              <a:ext uri="{28A0092B-C50C-407E-A947-70E740481C1C}">
-                <a14:useLocalDpi xmlns:a14="http://schemas.microsoft.com/office/drawing/2010/main" val="0"/>
-              </a:ext>
-            </a:extLst>
-          </a:blip>
-          <a:srcRect t="5616" r="2" b="2"/>
-          <a:stretch/>
-        </p:blipFill>
-        <p:spPr>
-          <a:xfrm>
-            <a:off x="7471144" y="1700078"/>
-            <a:ext cx="4720855" cy="2583792"/>
-          </a:xfrm>
-          <a:custGeom>
-            <a:avLst/>
-            <a:gdLst>
-              <a:gd name="connsiteX0" fmla="*/ 0 w 5475077"/>
-              <a:gd name="connsiteY0" fmla="*/ 0 h 2583792"/>
-              <a:gd name="connsiteX1" fmla="*/ 5475077 w 5475077"/>
-              <a:gd name="connsiteY1" fmla="*/ 0 h 2583792"/>
-              <a:gd name="connsiteX2" fmla="*/ 5475077 w 5475077"/>
-              <a:gd name="connsiteY2" fmla="*/ 2583792 h 2583792"/>
-              <a:gd name="connsiteX3" fmla="*/ 1197192 w 5475077"/>
-              <a:gd name="connsiteY3" fmla="*/ 2583792 h 2583792"/>
-            </a:gdLst>
-            <a:ahLst/>
-            <a:cxnLst>
-              <a:cxn ang="0">
-                <a:pos x="connsiteX0" y="connsiteY0"/>
-              </a:cxn>
-              <a:cxn ang="0">
-                <a:pos x="connsiteX1" y="connsiteY1"/>
-              </a:cxn>
-              <a:cxn ang="0">
-                <a:pos x="connsiteX2" y="connsiteY2"/>
-              </a:cxn>
-              <a:cxn ang="0">
-                <a:pos x="connsiteX3" y="connsiteY3"/>
-              </a:cxn>
-            </a:cxnLst>
-            <a:rect l="l" t="t" r="r" b="b"/>
-            <a:pathLst>
-              <a:path w="5475077" h="2583792">
-                <a:moveTo>
-                  <a:pt x="0" y="0"/>
-                </a:moveTo>
-                <a:lnTo>
-                  <a:pt x="5475077" y="0"/>
-                </a:lnTo>
-                <a:lnTo>
-                  <a:pt x="5475077" y="2583792"/>
-                </a:lnTo>
-                <a:lnTo>
-                  <a:pt x="1197192" y="2583792"/>
-                </a:lnTo>
-                <a:close/>
-              </a:path>
-            </a:pathLst>
-          </a:custGeom>
-        </p:spPr>
-      </p:pic>
-      <p:pic>
-        <p:nvPicPr>
-          <p:cNvPr id="5" name="Content Placeholder 4" descr="A picture containing indoor&#10;&#10;Description automatically generated">
-            <a:extLst>
-              <a:ext uri="{FF2B5EF4-FFF2-40B4-BE49-F238E27FC236}">
-                <a16:creationId xmlns:a16="http://schemas.microsoft.com/office/drawing/2014/main" id="{A58F0E55-21F3-485B-A07F-1CE74177BDD2}"/>
-              </a:ext>
-            </a:extLst>
-          </p:cNvPr>
-          <p:cNvPicPr>
-            <a:picLocks noChangeAspect="1"/>
-          </p:cNvPicPr>
-          <p:nvPr/>
-        </p:nvPicPr>
-        <p:blipFill rotWithShape="1">
-          <a:blip r:embed="rId3">
-            <a:extLst>
-              <a:ext uri="{28A0092B-C50C-407E-A947-70E740481C1C}">
-                <a14:useLocalDpi xmlns:a14="http://schemas.microsoft.com/office/drawing/2010/main" val="0"/>
-              </a:ext>
-            </a:extLst>
-          </a:blip>
-          <a:srcRect t="5300" r="3" b="6859"/>
-          <a:stretch/>
-        </p:blipFill>
-        <p:spPr>
-          <a:xfrm>
-            <a:off x="8491869" y="4283870"/>
-            <a:ext cx="3700129" cy="2583520"/>
-          </a:xfrm>
-          <a:custGeom>
-            <a:avLst/>
-            <a:gdLst>
-              <a:gd name="connsiteX0" fmla="*/ 0 w 4277884"/>
-              <a:gd name="connsiteY0" fmla="*/ 0 h 2583520"/>
-              <a:gd name="connsiteX1" fmla="*/ 4277884 w 4277884"/>
-              <a:gd name="connsiteY1" fmla="*/ 0 h 2583520"/>
-              <a:gd name="connsiteX2" fmla="*/ 4277884 w 4277884"/>
-              <a:gd name="connsiteY2" fmla="*/ 2583520 h 2583520"/>
-              <a:gd name="connsiteX3" fmla="*/ 1192437 w 4277884"/>
-              <a:gd name="connsiteY3" fmla="*/ 2583520 h 2583520"/>
-              <a:gd name="connsiteX4" fmla="*/ 1188085 w 4277884"/>
-              <a:gd name="connsiteY4" fmla="*/ 2574129 h 2583520"/>
-              <a:gd name="connsiteX5" fmla="*/ 1192715 w 4277884"/>
-              <a:gd name="connsiteY5" fmla="*/ 2574129 h 2583520"/>
-            </a:gdLst>
-            <a:ahLst/>
-            <a:cxnLst>
-              <a:cxn ang="0">
-                <a:pos x="connsiteX0" y="connsiteY0"/>
-              </a:cxn>
-              <a:cxn ang="0">
-                <a:pos x="connsiteX1" y="connsiteY1"/>
-              </a:cxn>
-              <a:cxn ang="0">
-                <a:pos x="connsiteX2" y="connsiteY2"/>
-              </a:cxn>
-              <a:cxn ang="0">
-                <a:pos x="connsiteX3" y="connsiteY3"/>
-              </a:cxn>
-              <a:cxn ang="0">
-                <a:pos x="connsiteX4" y="connsiteY4"/>
-              </a:cxn>
-              <a:cxn ang="0">
-                <a:pos x="connsiteX5" y="connsiteY5"/>
-              </a:cxn>
-            </a:cxnLst>
-            <a:rect l="l" t="t" r="r" b="b"/>
-            <a:pathLst>
-              <a:path w="4277884" h="2583520">
-                <a:moveTo>
-                  <a:pt x="0" y="0"/>
-                </a:moveTo>
-                <a:lnTo>
-                  <a:pt x="4277884" y="0"/>
-                </a:lnTo>
-                <a:lnTo>
-                  <a:pt x="4277884" y="2583520"/>
-                </a:lnTo>
-                <a:lnTo>
-                  <a:pt x="1192437" y="2583520"/>
-                </a:lnTo>
-                <a:lnTo>
-                  <a:pt x="1188085" y="2574129"/>
-                </a:lnTo>
-                <a:lnTo>
-                  <a:pt x="1192715" y="2574129"/>
-                </a:lnTo>
-                <a:close/>
-              </a:path>
-            </a:pathLst>
-          </a:custGeom>
-        </p:spPr>
-      </p:pic>
-      <p:sp>
-        <p:nvSpPr>
-          <p:cNvPr id="6" name="Rectangle 5">
-            <a:extLst>
-              <a:ext uri="{FF2B5EF4-FFF2-40B4-BE49-F238E27FC236}">
-                <a16:creationId xmlns:a16="http://schemas.microsoft.com/office/drawing/2014/main" id="{A2901312-C3C2-4CEC-80EF-823AB4FBB726}"/>
-              </a:ext>
-            </a:extLst>
-          </p:cNvPr>
-          <p:cNvSpPr/>
-          <p:nvPr/>
-        </p:nvSpPr>
-        <p:spPr>
-          <a:xfrm>
-            <a:off x="-1" y="1608918"/>
-            <a:ext cx="12191999" cy="91160"/>
-          </a:xfrm>
-          <a:prstGeom prst="rect">
-            <a:avLst/>
-          </a:prstGeom>
-          <a:solidFill>
-            <a:schemeClr val="bg1"/>
-          </a:solidFill>
-          <a:ln>
-            <a:noFill/>
-          </a:ln>
-        </p:spPr>
-        <p:style>
-          <a:lnRef idx="2">
-            <a:schemeClr val="accent1">
-              <a:shade val="50000"/>
-            </a:schemeClr>
-          </a:lnRef>
-          <a:fillRef idx="1">
-            <a:schemeClr val="accent1"/>
-          </a:fillRef>
-          <a:effectRef idx="0">
-            <a:schemeClr val="accent1"/>
-          </a:effectRef>
-          <a:fontRef idx="minor">
-            <a:schemeClr val="lt1"/>
-          </a:fontRef>
-        </p:style>
-        <p:txBody>
-          <a:bodyPr rtlCol="0" anchor="ctr"/>
-          <a:lstStyle/>
-          <a:p>
-            <a:pPr algn="ctr"/>
-            <a:endParaRPr lang="en-US">
-              <a:solidFill>
-                <a:srgbClr val="DB5B5C"/>
-              </a:solidFill>
-            </a:endParaRPr>
-          </a:p>
-        </p:txBody>
-      </p:sp>
-      <p:sp>
-        <p:nvSpPr>
-          <p:cNvPr id="15" name="Rectangle 14">
-            <a:extLst>
-              <a:ext uri="{FF2B5EF4-FFF2-40B4-BE49-F238E27FC236}">
-                <a16:creationId xmlns:a16="http://schemas.microsoft.com/office/drawing/2014/main" id="{AD0A7C9C-CA2C-4B9B-A125-2D09D5573B44}"/>
-              </a:ext>
-            </a:extLst>
-          </p:cNvPr>
-          <p:cNvSpPr/>
-          <p:nvPr/>
-        </p:nvSpPr>
-        <p:spPr>
-          <a:xfrm>
-            <a:off x="1" y="6677247"/>
-            <a:ext cx="12191999" cy="190143"/>
-          </a:xfrm>
-          <a:prstGeom prst="rect">
-            <a:avLst/>
-          </a:prstGeom>
-          <a:solidFill>
-            <a:schemeClr val="bg1"/>
-          </a:solidFill>
-          <a:ln>
-            <a:noFill/>
-          </a:ln>
-        </p:spPr>
-        <p:style>
-          <a:lnRef idx="2">
-            <a:schemeClr val="accent1">
-              <a:shade val="50000"/>
-            </a:schemeClr>
-          </a:lnRef>
-          <a:fillRef idx="1">
-            <a:schemeClr val="accent1"/>
-          </a:fillRef>
-          <a:effectRef idx="0">
-            <a:schemeClr val="accent1"/>
-          </a:effectRef>
-          <a:fontRef idx="minor">
-            <a:schemeClr val="lt1"/>
-          </a:fontRef>
-        </p:style>
-        <p:txBody>
-          <a:bodyPr rtlCol="0" anchor="ctr"/>
-          <a:lstStyle/>
-          <a:p>
-            <a:pPr algn="ctr"/>
-            <a:endParaRPr lang="en-US">
-              <a:solidFill>
-                <a:srgbClr val="DB5B5C"/>
-              </a:solidFill>
-            </a:endParaRPr>
-          </a:p>
-        </p:txBody>
-      </p:sp>
-      <p:sp>
-        <p:nvSpPr>
-          <p:cNvPr id="16" name="Rectangle 15">
-            <a:extLst>
-              <a:ext uri="{FF2B5EF4-FFF2-40B4-BE49-F238E27FC236}">
-                <a16:creationId xmlns:a16="http://schemas.microsoft.com/office/drawing/2014/main" id="{74A085FC-1866-46D4-97F7-51AA45E48D4F}"/>
-              </a:ext>
-            </a:extLst>
-          </p:cNvPr>
-          <p:cNvSpPr/>
-          <p:nvPr/>
-        </p:nvSpPr>
-        <p:spPr>
-          <a:xfrm rot="4092292">
-            <a:off x="5790668" y="4094517"/>
-            <a:ext cx="5446699" cy="137038"/>
-          </a:xfrm>
-          <a:prstGeom prst="rect">
-            <a:avLst/>
-          </a:prstGeom>
-          <a:solidFill>
-            <a:schemeClr val="bg1"/>
-          </a:solidFill>
-          <a:ln>
-            <a:noFill/>
-          </a:ln>
-        </p:spPr>
-        <p:style>
-          <a:lnRef idx="2">
-            <a:schemeClr val="accent1">
-              <a:shade val="50000"/>
-            </a:schemeClr>
-          </a:lnRef>
-          <a:fillRef idx="1">
-            <a:schemeClr val="accent1"/>
-          </a:fillRef>
-          <a:effectRef idx="0">
-            <a:schemeClr val="accent1"/>
-          </a:effectRef>
-          <a:fontRef idx="minor">
-            <a:schemeClr val="lt1"/>
-          </a:fontRef>
-        </p:style>
-        <p:txBody>
-          <a:bodyPr rtlCol="0" anchor="ctr"/>
-          <a:lstStyle/>
-          <a:p>
-            <a:pPr algn="ctr"/>
-            <a:endParaRPr lang="en-US">
-              <a:solidFill>
-                <a:srgbClr val="DB5B5C"/>
-              </a:solidFill>
-            </a:endParaRPr>
-          </a:p>
-        </p:txBody>
-      </p:sp>
-    </p:spTree>
-    <p:extLst>
-      <p:ext uri="{BB962C8B-B14F-4D97-AF65-F5344CB8AC3E}">
-        <p14:creationId xmlns:p14="http://schemas.microsoft.com/office/powerpoint/2010/main" val="2540240952"/>
-      </p:ext>
-    </p:extLst>
-  </p:cSld>
-  <p:clrMapOvr>
-    <a:overrideClrMapping bg1="dk1" tx1="lt1" bg2="dk2" tx2="lt2" accent1="accent1" accent2="accent2" accent3="accent3" accent4="accent4" accent5="accent5" accent6="accent6" hlink="hlink" folHlink="folHlink"/>
-  </p:clrMapOvr>
-</p:sld>
-</file>
-
-<file path=ppt/slides/slide19.xml><?xml version="1.0" encoding="utf-8"?>
 <p:sld xmlns:a="http://schemas.openxmlformats.org/drawingml/2006/main" xmlns:r="http://schemas.openxmlformats.org/officeDocument/2006/relationships" xmlns:p="http://schemas.openxmlformats.org/presentationml/2006/main">
   <p:cSld>
     <p:bg>
